--- a/ZipCord-GenAI-PPT.pptx
+++ b/ZipCord-GenAI-PPT.pptx
@@ -4276,7 +4276,7 @@
           <p:spPr>
             <a:xfrm>
               <a:off x="2354232" y="2505671"/>
-              <a:ext cx="5228611" cy="830997"/>
+              <a:ext cx="5089150" cy="830997"/>
             </a:xfrm>
             <a:prstGeom prst="rect">
               <a:avLst/>
@@ -4307,7 +4307,7 @@
                 <a:defRPr/>
               </a:pPr>
               <a:r>
-                <a:rPr kumimoji="0" lang="en-IN" sz="4800" b="1" i="0" u="none" strike="noStrike" kern="1200" cap="none" spc="0" normalizeH="0" baseline="0" noProof="0" dirty="0" err="1">
+                <a:rPr kumimoji="0" lang="en-IN" sz="4800" b="1" i="0" u="none" strike="noStrike" kern="1200" cap="none" spc="0" normalizeH="0" baseline="0" noProof="0">
                   <a:ln>
                     <a:noFill/>
                   </a:ln>
@@ -4325,7 +4325,7 @@
                 <a:t>ZipCord</a:t>
               </a:r>
               <a:r>
-                <a:rPr kumimoji="0" lang="en-IN" sz="4800" b="1" i="0" u="none" strike="noStrike" kern="1200" cap="none" spc="0" normalizeH="0" baseline="0" noProof="0" dirty="0">
+                <a:rPr kumimoji="0" lang="en-IN" sz="4800" b="1" i="0" u="none" strike="noStrike" kern="1200" cap="none" spc="0" normalizeH="0" baseline="0" noProof="0">
                   <a:ln>
                     <a:noFill/>
                   </a:ln>
@@ -4341,7 +4341,7 @@
                   <a:ea typeface="+mn-ea"/>
                   <a:cs typeface="Times New Roman" panose="02020603050405020304" pitchFamily="18" charset="0"/>
                 </a:rPr>
-                <a:t>   </a:t>
+                <a:t>  </a:t>
               </a:r>
               <a:r>
                 <a:rPr kumimoji="0" lang="en-IN" sz="3200" b="1" i="0" u="none" strike="noStrike" kern="1200" cap="none" spc="0" normalizeH="0" baseline="0" noProof="0" dirty="0">
@@ -20055,6 +20055,21 @@
 </file>
 
 <file path=customXml/item1.xml><?xml version="1.0" encoding="utf-8"?>
+<?mso-contentType ?>
+<FormTemplates xmlns="http://schemas.microsoft.com/sharepoint/v3/contenttype/forms">
+  <Display>DocumentLibraryForm</Display>
+  <Edit>DocumentLibraryForm</Edit>
+  <New>DocumentLibraryForm</New>
+</FormTemplates>
+</file>
+
+<file path=customXml/item2.xml><?xml version="1.0" encoding="utf-8"?>
+<p:properties xmlns:p="http://schemas.microsoft.com/office/2006/metadata/properties" xmlns:xsi="http://www.w3.org/2001/XMLSchema-instance" xmlns:pc="http://schemas.microsoft.com/office/infopath/2007/PartnerControls">
+  <documentManagement/>
+</p:properties>
+</file>
+
+<file path=customXml/item3.xml><?xml version="1.0" encoding="utf-8"?>
 <ct:contentTypeSchema xmlns:ct="http://schemas.microsoft.com/office/2006/metadata/contentType" xmlns:ma="http://schemas.microsoft.com/office/2006/metadata/properties/metaAttributes" ct:_="" ma:_="" ma:contentTypeName="Document" ma:contentTypeID="0x010100BA5D66C1495D8A448438C28207993EB5" ma:contentTypeVersion="8" ma:contentTypeDescription="Create a new document." ma:contentTypeScope="" ma:versionID="df52d361f6365f3678e16c2043d68fa5">
   <xsd:schema xmlns:xsd="http://www.w3.org/2001/XMLSchema" xmlns:xs="http://www.w3.org/2001/XMLSchema" xmlns:p="http://schemas.microsoft.com/office/2006/metadata/properties" xmlns:ns2="7891944d-1a74-498f-9cfc-faac4edaa589" targetNamespace="http://schemas.microsoft.com/office/2006/metadata/properties" ma:root="true" ma:fieldsID="c84db05009372d68998b49d5bf9e08bb" ns2:_="">
     <xsd:import namespace="7891944d-1a74-498f-9cfc-faac4edaa589"/>
@@ -20222,22 +20237,24 @@
 </ct:contentTypeSchema>
 </file>
 
-<file path=customXml/item2.xml><?xml version="1.0" encoding="utf-8"?>
-<?mso-contentType ?>
-<FormTemplates xmlns="http://schemas.microsoft.com/sharepoint/v3/contenttype/forms">
-  <Display>DocumentLibraryForm</Display>
-  <Edit>DocumentLibraryForm</Edit>
-  <New>DocumentLibraryForm</New>
-</FormTemplates>
+<file path=customXml/itemProps1.xml><?xml version="1.0" encoding="utf-8"?>
+<ds:datastoreItem xmlns:ds="http://schemas.openxmlformats.org/officeDocument/2006/customXml" ds:itemID="{CACB25DF-A098-4BEE-B899-A02E5AE9431A}">
+  <ds:schemaRefs>
+    <ds:schemaRef ds:uri="http://schemas.microsoft.com/sharepoint/v3/contenttype/forms"/>
+  </ds:schemaRefs>
+</ds:datastoreItem>
 </file>
 
-<file path=customXml/item3.xml><?xml version="1.0" encoding="utf-8"?>
-<p:properties xmlns:p="http://schemas.microsoft.com/office/2006/metadata/properties" xmlns:xsi="http://www.w3.org/2001/XMLSchema-instance" xmlns:pc="http://schemas.microsoft.com/office/infopath/2007/PartnerControls">
-  <documentManagement/>
-</p:properties>
+<file path=customXml/itemProps2.xml><?xml version="1.0" encoding="utf-8"?>
+<ds:datastoreItem xmlns:ds="http://schemas.openxmlformats.org/officeDocument/2006/customXml" ds:itemID="{14D7764E-EC77-492C-AA88-6B7950E9706E}">
+  <ds:schemaRefs>
+    <ds:schemaRef ds:uri="http://schemas.microsoft.com/office/2006/metadata/properties"/>
+    <ds:schemaRef ds:uri="http://schemas.microsoft.com/office/infopath/2007/PartnerControls"/>
+  </ds:schemaRefs>
+</ds:datastoreItem>
 </file>
 
-<file path=customXml/itemProps1.xml><?xml version="1.0" encoding="utf-8"?>
+<file path=customXml/itemProps3.xml><?xml version="1.0" encoding="utf-8"?>
 <ds:datastoreItem xmlns:ds="http://schemas.openxmlformats.org/officeDocument/2006/customXml" ds:itemID="{DCF37706-96A5-4C69-853B-10902D37D05F}">
   <ds:schemaRefs>
     <ds:schemaRef ds:uri="http://schemas.microsoft.com/office/2006/metadata/contentType"/>
@@ -20253,21 +20270,4 @@
     <ds:schemaRef ds:uri="http://schemas.microsoft.com/internal/obd"/>
   </ds:schemaRefs>
 </ds:datastoreItem>
-</file>
-
-<file path=customXml/itemProps2.xml><?xml version="1.0" encoding="utf-8"?>
-<ds:datastoreItem xmlns:ds="http://schemas.openxmlformats.org/officeDocument/2006/customXml" ds:itemID="{CACB25DF-A098-4BEE-B899-A02E5AE9431A}">
-  <ds:schemaRefs>
-    <ds:schemaRef ds:uri="http://schemas.microsoft.com/sharepoint/v3/contenttype/forms"/>
-  </ds:schemaRefs>
-</ds:datastoreItem>
-</file>
-
-<file path=customXml/itemProps3.xml><?xml version="1.0" encoding="utf-8"?>
-<ds:datastoreItem xmlns:ds="http://schemas.openxmlformats.org/officeDocument/2006/customXml" ds:itemID="{14D7764E-EC77-492C-AA88-6B7950E9706E}">
-  <ds:schemaRefs>
-    <ds:schemaRef ds:uri="http://schemas.microsoft.com/office/2006/metadata/properties"/>
-    <ds:schemaRef ds:uri="http://schemas.microsoft.com/office/infopath/2007/PartnerControls"/>
-  </ds:schemaRefs>
-</ds:datastoreItem>
 </file>
--- a/ZipCord-GenAI-PPT.pptx
+++ b/ZipCord-GenAI-PPT.pptx
@@ -251,7 +251,7 @@
           <a:p>
             <a:fld id="{243BF26B-0933-4A58-817D-6DBF03AD9535}" type="datetimeFigureOut">
               <a:rPr lang="en-IN" smtClean="0"/>
-              <a:t>21-03-2025</a:t>
+              <a:t>22-03-2025</a:t>
             </a:fld>
             <a:endParaRPr lang="en-IN"/>
           </a:p>
@@ -956,7 +956,7 @@
           <a:p>
             <a:fld id="{1212FF37-2284-44EF-98CB-98262E5BCAF4}" type="datetimeFigureOut">
               <a:rPr lang="en-IN" smtClean="0"/>
-              <a:t>21-03-2025</a:t>
+              <a:t>22-03-2025</a:t>
             </a:fld>
             <a:endParaRPr lang="en-IN"/>
           </a:p>
@@ -1156,7 +1156,7 @@
           <a:p>
             <a:fld id="{1212FF37-2284-44EF-98CB-98262E5BCAF4}" type="datetimeFigureOut">
               <a:rPr lang="en-IN" smtClean="0"/>
-              <a:t>21-03-2025</a:t>
+              <a:t>22-03-2025</a:t>
             </a:fld>
             <a:endParaRPr lang="en-IN"/>
           </a:p>
@@ -1366,7 +1366,7 @@
           <a:p>
             <a:fld id="{1212FF37-2284-44EF-98CB-98262E5BCAF4}" type="datetimeFigureOut">
               <a:rPr lang="en-IN" smtClean="0"/>
-              <a:t>21-03-2025</a:t>
+              <a:t>22-03-2025</a:t>
             </a:fld>
             <a:endParaRPr lang="en-IN"/>
           </a:p>
@@ -1566,7 +1566,7 @@
           <a:p>
             <a:fld id="{1212FF37-2284-44EF-98CB-98262E5BCAF4}" type="datetimeFigureOut">
               <a:rPr lang="en-IN" smtClean="0"/>
-              <a:t>21-03-2025</a:t>
+              <a:t>22-03-2025</a:t>
             </a:fld>
             <a:endParaRPr lang="en-IN"/>
           </a:p>
@@ -1842,7 +1842,7 @@
           <a:p>
             <a:fld id="{1212FF37-2284-44EF-98CB-98262E5BCAF4}" type="datetimeFigureOut">
               <a:rPr lang="en-IN" smtClean="0"/>
-              <a:t>21-03-2025</a:t>
+              <a:t>22-03-2025</a:t>
             </a:fld>
             <a:endParaRPr lang="en-IN"/>
           </a:p>
@@ -2110,7 +2110,7 @@
           <a:p>
             <a:fld id="{1212FF37-2284-44EF-98CB-98262E5BCAF4}" type="datetimeFigureOut">
               <a:rPr lang="en-IN" smtClean="0"/>
-              <a:t>21-03-2025</a:t>
+              <a:t>22-03-2025</a:t>
             </a:fld>
             <a:endParaRPr lang="en-IN"/>
           </a:p>
@@ -2525,7 +2525,7 @@
           <a:p>
             <a:fld id="{1212FF37-2284-44EF-98CB-98262E5BCAF4}" type="datetimeFigureOut">
               <a:rPr lang="en-IN" smtClean="0"/>
-              <a:t>21-03-2025</a:t>
+              <a:t>22-03-2025</a:t>
             </a:fld>
             <a:endParaRPr lang="en-IN"/>
           </a:p>
@@ -2667,7 +2667,7 @@
           <a:p>
             <a:fld id="{1212FF37-2284-44EF-98CB-98262E5BCAF4}" type="datetimeFigureOut">
               <a:rPr lang="en-IN" smtClean="0"/>
-              <a:t>21-03-2025</a:t>
+              <a:t>22-03-2025</a:t>
             </a:fld>
             <a:endParaRPr lang="en-IN"/>
           </a:p>
@@ -3152,7 +3152,7 @@
           <a:p>
             <a:fld id="{1212FF37-2284-44EF-98CB-98262E5BCAF4}" type="datetimeFigureOut">
               <a:rPr lang="en-IN" smtClean="0"/>
-              <a:t>21-03-2025</a:t>
+              <a:t>22-03-2025</a:t>
             </a:fld>
             <a:endParaRPr lang="en-IN"/>
           </a:p>
@@ -3441,7 +3441,7 @@
           <a:p>
             <a:fld id="{1212FF37-2284-44EF-98CB-98262E5BCAF4}" type="datetimeFigureOut">
               <a:rPr lang="en-IN" smtClean="0"/>
-              <a:t>21-03-2025</a:t>
+              <a:t>22-03-2025</a:t>
             </a:fld>
             <a:endParaRPr lang="en-IN"/>
           </a:p>
@@ -3684,7 +3684,7 @@
           <a:p>
             <a:fld id="{1212FF37-2284-44EF-98CB-98262E5BCAF4}" type="datetimeFigureOut">
               <a:rPr lang="en-IN" smtClean="0"/>
-              <a:t>21-03-2025</a:t>
+              <a:t>22-03-2025</a:t>
             </a:fld>
             <a:endParaRPr lang="en-IN"/>
           </a:p>
@@ -12450,7 +12450,7 @@
                 <a:defRPr/>
               </a:pPr>
               <a:r>
-                <a:rPr kumimoji="0" lang="en-IN" sz="1400" b="0" i="0" u="none" strike="noStrike" kern="1200" cap="none" spc="0" normalizeH="0" baseline="0" noProof="0">
+                <a:rPr kumimoji="0" lang="en-IN" sz="1400" b="0" i="0" u="none" strike="noStrike" kern="1200" cap="none" spc="0" normalizeH="0" baseline="0" noProof="0" dirty="0">
                   <a:ln>
                     <a:noFill/>
                   </a:ln>
@@ -12467,7 +12467,7 @@
                 <a:t>Project code repository is available at </a:t>
               </a:r>
               <a:r>
-                <a:rPr kumimoji="0" lang="en-IN" sz="1400" b="0" i="0" u="none" strike="noStrike" kern="1200" cap="none" spc="0" normalizeH="0" baseline="0" noProof="0">
+                <a:rPr kumimoji="0" lang="en-IN" sz="1400" b="0" i="0" u="none" strike="noStrike" kern="1200" cap="none" spc="0" normalizeH="0" baseline="0" noProof="0" dirty="0">
                   <a:ln>
                     <a:noFill/>
                   </a:ln>
@@ -12484,7 +12484,7 @@
                 </a:rPr>
                 <a:t>Link</a:t>
               </a:r>
-              <a:endParaRPr kumimoji="0" lang="en-IN" sz="1400" b="0" i="0" u="none" strike="noStrike" kern="1200" cap="none" spc="0" normalizeH="0" baseline="0" noProof="0">
+              <a:endParaRPr kumimoji="0" lang="en-IN" sz="1400" b="0" i="0" u="none" strike="noStrike" kern="1200" cap="none" spc="0" normalizeH="0" baseline="0" noProof="0" dirty="0">
                 <a:ln>
                   <a:noFill/>
                 </a:ln>
@@ -17559,7 +17559,7 @@
                 <a:defRPr/>
               </a:pPr>
               <a:r>
-                <a:rPr kumimoji="0" lang="en-IN" sz="1400" b="0" i="0" u="none" strike="noStrike" kern="1200" cap="none" spc="0" normalizeH="0" baseline="0" noProof="0">
+                <a:rPr kumimoji="0" lang="en-IN" sz="1400" b="0" i="0" u="none" strike="noStrike" kern="1200" cap="none" spc="0" normalizeH="0" baseline="0" noProof="0" dirty="0">
                   <a:ln>
                     <a:noFill/>
                   </a:ln>
@@ -17576,7 +17576,7 @@
                 <a:t>Project Portal / website is available at </a:t>
               </a:r>
               <a:r>
-                <a:rPr kumimoji="0" lang="en-IN" sz="1400" b="0" i="0" u="none" strike="noStrike" kern="1200" cap="none" spc="0" normalizeH="0" baseline="0" noProof="0">
+                <a:rPr kumimoji="0" lang="en-IN" sz="1400" b="0" i="0" u="none" strike="noStrike" kern="1200" cap="none" spc="0" normalizeH="0" baseline="0" noProof="0" dirty="0">
                   <a:ln>
                     <a:noFill/>
                   </a:ln>
@@ -17593,7 +17593,7 @@
                 </a:rPr>
                 <a:t>Link</a:t>
               </a:r>
-              <a:endParaRPr kumimoji="0" lang="en-IN" sz="1400" b="0" i="0" u="none" strike="noStrike" kern="1200" cap="none" spc="0" normalizeH="0" baseline="0" noProof="0">
+              <a:endParaRPr kumimoji="0" lang="en-IN" sz="1400" b="0" i="0" u="none" strike="noStrike" kern="1200" cap="none" spc="0" normalizeH="0" baseline="0" noProof="0" dirty="0">
                 <a:ln>
                   <a:noFill/>
                 </a:ln>
@@ -17742,7 +17742,7 @@
                 <a:defRPr/>
               </a:pPr>
               <a:r>
-                <a:rPr kumimoji="0" lang="en-IN" sz="1400" b="0" i="0" u="none" strike="noStrike" kern="1200" cap="none" spc="0" normalizeH="0" baseline="0" noProof="0">
+                <a:rPr kumimoji="0" lang="en-IN" sz="1400" b="0" i="0" u="none" strike="noStrike" kern="1200" cap="none" spc="0" normalizeH="0" baseline="0" noProof="0" dirty="0">
                   <a:ln>
                     <a:noFill/>
                   </a:ln>
@@ -17759,7 +17759,7 @@
                 <a:t>Project code repository is available at </a:t>
               </a:r>
               <a:r>
-                <a:rPr kumimoji="0" lang="en-IN" sz="1400" b="0" i="0" u="none" strike="noStrike" kern="1200" cap="none" spc="0" normalizeH="0" baseline="0" noProof="0">
+                <a:rPr kumimoji="0" lang="en-IN" sz="1400" b="0" i="0" u="none" strike="noStrike" kern="1200" cap="none" spc="0" normalizeH="0" baseline="0" noProof="0" dirty="0">
                   <a:ln>
                     <a:noFill/>
                   </a:ln>
@@ -17776,7 +17776,7 @@
                 </a:rPr>
                 <a:t>Link</a:t>
               </a:r>
-              <a:endParaRPr kumimoji="0" lang="en-IN" sz="1400" b="0" i="0" u="none" strike="noStrike" kern="1200" cap="none" spc="0" normalizeH="0" baseline="0" noProof="0">
+              <a:endParaRPr kumimoji="0" lang="en-IN" sz="1400" b="0" i="0" u="none" strike="noStrike" kern="1200" cap="none" spc="0" normalizeH="0" baseline="0" noProof="0" dirty="0">
                 <a:ln>
                   <a:noFill/>
                 </a:ln>
@@ -18540,7 +18540,7 @@
                 <a:defRPr/>
               </a:pPr>
               <a:r>
-                <a:rPr kumimoji="0" lang="en-IN" sz="1400" b="0" i="0" u="none" strike="noStrike" kern="1200" cap="none" spc="0" normalizeH="0" baseline="0" noProof="0">
+                <a:rPr kumimoji="0" lang="en-IN" sz="1400" b="0" i="0" u="none" strike="noStrike" kern="1200" cap="none" spc="0" normalizeH="0" baseline="0" noProof="0" dirty="0">
                   <a:ln>
                     <a:noFill/>
                   </a:ln>
@@ -18557,7 +18557,7 @@
                 <a:t>Project wireframe / UI designs are available at </a:t>
               </a:r>
               <a:r>
-                <a:rPr kumimoji="0" lang="en-IN" sz="1400" b="0" i="0" u="none" strike="noStrike" kern="1200" cap="none" spc="0" normalizeH="0" baseline="0" noProof="0">
+                <a:rPr kumimoji="0" lang="en-IN" sz="1400" b="0" i="0" u="none" strike="noStrike" kern="1200" cap="none" spc="0" normalizeH="0" baseline="0" noProof="0" dirty="0">
                   <a:ln>
                     <a:noFill/>
                   </a:ln>
@@ -18574,7 +18574,7 @@
                 </a:rPr>
                 <a:t>Link</a:t>
               </a:r>
-              <a:endParaRPr kumimoji="0" lang="en-IN" sz="1400" b="0" i="0" u="none" strike="noStrike" kern="1200" cap="none" spc="0" normalizeH="0" baseline="0" noProof="0">
+              <a:endParaRPr kumimoji="0" lang="en-IN" sz="1400" b="0" i="0" u="none" strike="noStrike" kern="1200" cap="none" spc="0" normalizeH="0" baseline="0" noProof="0" dirty="0">
                 <a:ln>
                   <a:noFill/>
                 </a:ln>
@@ -18753,7 +18753,7 @@
                   <a:latin typeface="Aptos" panose="02110004020202020204"/>
                   <a:ea typeface="+mn-ea"/>
                   <a:cs typeface="+mn-cs"/>
-                  <a:hlinkClick r:id="rId8"/>
+                  <a:hlinkClick r:id="rId9"/>
                 </a:rPr>
                 <a:t>Link</a:t>
               </a:r>
@@ -18789,7 +18789,7 @@
         </p:nvGrpSpPr>
         <p:grpSpPr>
           <a:xfrm>
-            <a:off x="6560336" y="3084278"/>
+            <a:off x="6560335" y="3084278"/>
             <a:ext cx="5107625" cy="689444"/>
             <a:chOff x="657294" y="801812"/>
             <a:chExt cx="3970199" cy="689444"/>
@@ -18936,7 +18936,7 @@
                   <a:latin typeface="Aptos" panose="02110004020202020204"/>
                   <a:ea typeface="+mn-ea"/>
                   <a:cs typeface="+mn-cs"/>
-                  <a:hlinkClick r:id="rId9"/>
+                  <a:hlinkClick r:id="rId10"/>
                 </a:rPr>
                 <a:t>Link</a:t>
               </a:r>
@@ -19119,7 +19119,7 @@
                   <a:latin typeface="Aptos" panose="02110004020202020204"/>
                   <a:ea typeface="+mn-ea"/>
                   <a:cs typeface="+mn-cs"/>
-                  <a:hlinkClick r:id="rId10"/>
+                  <a:hlinkClick r:id="rId11"/>
                 </a:rPr>
                 <a:t>Link</a:t>
               </a:r>
@@ -19137,7 +19137,7 @@
                   <a:latin typeface="Aptos" panose="02110004020202020204"/>
                   <a:ea typeface="+mn-ea"/>
                   <a:cs typeface="+mn-cs"/>
-                  <a:hlinkClick r:id="rId11"/>
+                  <a:hlinkClick r:id="rId12"/>
                 </a:rPr>
               </a:br>
               <a:endParaRPr kumimoji="0" lang="en-IN" sz="1400" b="0" i="0" u="none" strike="noStrike" kern="1200" cap="none" spc="0" normalizeH="0" baseline="0" noProof="0" dirty="0">
@@ -20064,12 +20064,6 @@
 </file>
 
 <file path=customXml/item2.xml><?xml version="1.0" encoding="utf-8"?>
-<p:properties xmlns:p="http://schemas.microsoft.com/office/2006/metadata/properties" xmlns:xsi="http://www.w3.org/2001/XMLSchema-instance" xmlns:pc="http://schemas.microsoft.com/office/infopath/2007/PartnerControls">
-  <documentManagement/>
-</p:properties>
-</file>
-
-<file path=customXml/item3.xml><?xml version="1.0" encoding="utf-8"?>
 <ct:contentTypeSchema xmlns:ct="http://schemas.microsoft.com/office/2006/metadata/contentType" xmlns:ma="http://schemas.microsoft.com/office/2006/metadata/properties/metaAttributes" ct:_="" ma:_="" ma:contentTypeName="Document" ma:contentTypeID="0x010100BA5D66C1495D8A448438C28207993EB5" ma:contentTypeVersion="8" ma:contentTypeDescription="Create a new document." ma:contentTypeScope="" ma:versionID="df52d361f6365f3678e16c2043d68fa5">
   <xsd:schema xmlns:xsd="http://www.w3.org/2001/XMLSchema" xmlns:xs="http://www.w3.org/2001/XMLSchema" xmlns:p="http://schemas.microsoft.com/office/2006/metadata/properties" xmlns:ns2="7891944d-1a74-498f-9cfc-faac4edaa589" targetNamespace="http://schemas.microsoft.com/office/2006/metadata/properties" ma:root="true" ma:fieldsID="c84db05009372d68998b49d5bf9e08bb" ns2:_="">
     <xsd:import namespace="7891944d-1a74-498f-9cfc-faac4edaa589"/>
@@ -20237,6 +20231,12 @@
 </ct:contentTypeSchema>
 </file>
 
+<file path=customXml/item3.xml><?xml version="1.0" encoding="utf-8"?>
+<p:properties xmlns:p="http://schemas.microsoft.com/office/2006/metadata/properties" xmlns:xsi="http://www.w3.org/2001/XMLSchema-instance" xmlns:pc="http://schemas.microsoft.com/office/infopath/2007/PartnerControls">
+  <documentManagement/>
+</p:properties>
+</file>
+
 <file path=customXml/itemProps1.xml><?xml version="1.0" encoding="utf-8"?>
 <ds:datastoreItem xmlns:ds="http://schemas.openxmlformats.org/officeDocument/2006/customXml" ds:itemID="{CACB25DF-A098-4BEE-B899-A02E5AE9431A}">
   <ds:schemaRefs>
@@ -20246,15 +20246,6 @@
 </file>
 
 <file path=customXml/itemProps2.xml><?xml version="1.0" encoding="utf-8"?>
-<ds:datastoreItem xmlns:ds="http://schemas.openxmlformats.org/officeDocument/2006/customXml" ds:itemID="{14D7764E-EC77-492C-AA88-6B7950E9706E}">
-  <ds:schemaRefs>
-    <ds:schemaRef ds:uri="http://schemas.microsoft.com/office/2006/metadata/properties"/>
-    <ds:schemaRef ds:uri="http://schemas.microsoft.com/office/infopath/2007/PartnerControls"/>
-  </ds:schemaRefs>
-</ds:datastoreItem>
-</file>
-
-<file path=customXml/itemProps3.xml><?xml version="1.0" encoding="utf-8"?>
 <ds:datastoreItem xmlns:ds="http://schemas.openxmlformats.org/officeDocument/2006/customXml" ds:itemID="{DCF37706-96A5-4C69-853B-10902D37D05F}">
   <ds:schemaRefs>
     <ds:schemaRef ds:uri="http://schemas.microsoft.com/office/2006/metadata/contentType"/>
@@ -20270,4 +20261,13 @@
     <ds:schemaRef ds:uri="http://schemas.microsoft.com/internal/obd"/>
   </ds:schemaRefs>
 </ds:datastoreItem>
+</file>
+
+<file path=customXml/itemProps3.xml><?xml version="1.0" encoding="utf-8"?>
+<ds:datastoreItem xmlns:ds="http://schemas.openxmlformats.org/officeDocument/2006/customXml" ds:itemID="{14D7764E-EC77-492C-AA88-6B7950E9706E}">
+  <ds:schemaRefs>
+    <ds:schemaRef ds:uri="http://schemas.microsoft.com/office/2006/metadata/properties"/>
+    <ds:schemaRef ds:uri="http://schemas.microsoft.com/office/infopath/2007/PartnerControls"/>
+  </ds:schemaRefs>
+</ds:datastoreItem>
 </file>
--- a/ZipCord-GenAI-PPT.pptx
+++ b/ZipCord-GenAI-PPT.pptx
@@ -251,7 +251,7 @@
           <a:p>
             <a:fld id="{243BF26B-0933-4A58-817D-6DBF03AD9535}" type="datetimeFigureOut">
               <a:rPr lang="en-IN" smtClean="0"/>
-              <a:t>22-03-2025</a:t>
+              <a:t>25-03-2025</a:t>
             </a:fld>
             <a:endParaRPr lang="en-IN"/>
           </a:p>
@@ -956,7 +956,7 @@
           <a:p>
             <a:fld id="{1212FF37-2284-44EF-98CB-98262E5BCAF4}" type="datetimeFigureOut">
               <a:rPr lang="en-IN" smtClean="0"/>
-              <a:t>22-03-2025</a:t>
+              <a:t>25-03-2025</a:t>
             </a:fld>
             <a:endParaRPr lang="en-IN"/>
           </a:p>
@@ -1156,7 +1156,7 @@
           <a:p>
             <a:fld id="{1212FF37-2284-44EF-98CB-98262E5BCAF4}" type="datetimeFigureOut">
               <a:rPr lang="en-IN" smtClean="0"/>
-              <a:t>22-03-2025</a:t>
+              <a:t>25-03-2025</a:t>
             </a:fld>
             <a:endParaRPr lang="en-IN"/>
           </a:p>
@@ -1366,7 +1366,7 @@
           <a:p>
             <a:fld id="{1212FF37-2284-44EF-98CB-98262E5BCAF4}" type="datetimeFigureOut">
               <a:rPr lang="en-IN" smtClean="0"/>
-              <a:t>22-03-2025</a:t>
+              <a:t>25-03-2025</a:t>
             </a:fld>
             <a:endParaRPr lang="en-IN"/>
           </a:p>
@@ -1566,7 +1566,7 @@
           <a:p>
             <a:fld id="{1212FF37-2284-44EF-98CB-98262E5BCAF4}" type="datetimeFigureOut">
               <a:rPr lang="en-IN" smtClean="0"/>
-              <a:t>22-03-2025</a:t>
+              <a:t>25-03-2025</a:t>
             </a:fld>
             <a:endParaRPr lang="en-IN"/>
           </a:p>
@@ -1842,7 +1842,7 @@
           <a:p>
             <a:fld id="{1212FF37-2284-44EF-98CB-98262E5BCAF4}" type="datetimeFigureOut">
               <a:rPr lang="en-IN" smtClean="0"/>
-              <a:t>22-03-2025</a:t>
+              <a:t>25-03-2025</a:t>
             </a:fld>
             <a:endParaRPr lang="en-IN"/>
           </a:p>
@@ -2110,7 +2110,7 @@
           <a:p>
             <a:fld id="{1212FF37-2284-44EF-98CB-98262E5BCAF4}" type="datetimeFigureOut">
               <a:rPr lang="en-IN" smtClean="0"/>
-              <a:t>22-03-2025</a:t>
+              <a:t>25-03-2025</a:t>
             </a:fld>
             <a:endParaRPr lang="en-IN"/>
           </a:p>
@@ -2525,7 +2525,7 @@
           <a:p>
             <a:fld id="{1212FF37-2284-44EF-98CB-98262E5BCAF4}" type="datetimeFigureOut">
               <a:rPr lang="en-IN" smtClean="0"/>
-              <a:t>22-03-2025</a:t>
+              <a:t>25-03-2025</a:t>
             </a:fld>
             <a:endParaRPr lang="en-IN"/>
           </a:p>
@@ -2667,7 +2667,7 @@
           <a:p>
             <a:fld id="{1212FF37-2284-44EF-98CB-98262E5BCAF4}" type="datetimeFigureOut">
               <a:rPr lang="en-IN" smtClean="0"/>
-              <a:t>22-03-2025</a:t>
+              <a:t>25-03-2025</a:t>
             </a:fld>
             <a:endParaRPr lang="en-IN"/>
           </a:p>
@@ -3152,7 +3152,7 @@
           <a:p>
             <a:fld id="{1212FF37-2284-44EF-98CB-98262E5BCAF4}" type="datetimeFigureOut">
               <a:rPr lang="en-IN" smtClean="0"/>
-              <a:t>22-03-2025</a:t>
+              <a:t>25-03-2025</a:t>
             </a:fld>
             <a:endParaRPr lang="en-IN"/>
           </a:p>
@@ -3441,7 +3441,7 @@
           <a:p>
             <a:fld id="{1212FF37-2284-44EF-98CB-98262E5BCAF4}" type="datetimeFigureOut">
               <a:rPr lang="en-IN" smtClean="0"/>
-              <a:t>22-03-2025</a:t>
+              <a:t>25-03-2025</a:t>
             </a:fld>
             <a:endParaRPr lang="en-IN"/>
           </a:p>
@@ -3684,7 +3684,7 @@
           <a:p>
             <a:fld id="{1212FF37-2284-44EF-98CB-98262E5BCAF4}" type="datetimeFigureOut">
               <a:rPr lang="en-IN" smtClean="0"/>
-              <a:t>22-03-2025</a:t>
+              <a:t>25-03-2025</a:t>
             </a:fld>
             <a:endParaRPr lang="en-IN"/>
           </a:p>
@@ -4307,7 +4307,7 @@
                 <a:defRPr/>
               </a:pPr>
               <a:r>
-                <a:rPr kumimoji="0" lang="en-IN" sz="4800" b="1" i="0" u="none" strike="noStrike" kern="1200" cap="none" spc="0" normalizeH="0" baseline="0" noProof="0">
+                <a:rPr kumimoji="0" lang="en-IN" sz="4800" b="1" i="0" u="none" strike="noStrike" kern="1200" cap="none" spc="0" normalizeH="0" baseline="0" noProof="0" dirty="0" err="1">
                   <a:ln>
                     <a:noFill/>
                   </a:ln>
@@ -4325,7 +4325,7 @@
                 <a:t>ZipCord</a:t>
               </a:r>
               <a:r>
-                <a:rPr kumimoji="0" lang="en-IN" sz="4800" b="1" i="0" u="none" strike="noStrike" kern="1200" cap="none" spc="0" normalizeH="0" baseline="0" noProof="0">
+                <a:rPr kumimoji="0" lang="en-IN" sz="4800" b="1" i="0" u="none" strike="noStrike" kern="1200" cap="none" spc="0" normalizeH="0" baseline="0" noProof="0" dirty="0">
                   <a:ln>
                     <a:noFill/>
                   </a:ln>
@@ -6602,7 +6602,7 @@
                   <a:tabLst/>
                   <a:defRPr/>
                 </a:pPr>
-                <a:endParaRPr kumimoji="0" lang="en-IN" sz="1800" b="0" i="0" u="none" strike="noStrike" kern="1200" cap="none" spc="0" normalizeH="0" baseline="0" noProof="0">
+                <a:endParaRPr kumimoji="0" lang="en-IN" sz="1800" b="0" i="0" u="none" strike="noStrike" kern="1200" cap="none" spc="0" normalizeH="0" baseline="0" noProof="0" dirty="0">
                   <a:ln>
                     <a:noFill/>
                   </a:ln>
@@ -7134,6 +7134,23 @@
                 <a:defRPr/>
               </a:pPr>
               <a:r>
+                <a:rPr kumimoji="0" lang="en-IN" sz="1400" b="1" i="0" u="none" strike="noStrike" kern="1200" cap="none" spc="0" normalizeH="0" baseline="0" noProof="0" dirty="0">
+                  <a:ln>
+                    <a:noFill/>
+                  </a:ln>
+                  <a:solidFill>
+                    <a:prstClr val="white">
+                      <a:lumMod val="50000"/>
+                    </a:prstClr>
+                  </a:solidFill>
+                  <a:effectLst/>
+                  <a:uLnTx/>
+                  <a:uFillTx/>
+                  <a:latin typeface="Bahnschrift" panose="020B0502040204020203" pitchFamily="34" charset="0"/>
+                </a:rPr>
+                <a:t>Harish </a:t>
+              </a:r>
+              <a:r>
                 <a:rPr kumimoji="0" lang="en-IN" sz="1400" b="1" i="0" u="none" strike="noStrike" kern="1200" cap="none" spc="0" normalizeH="0" baseline="0" noProof="0" dirty="0" err="1">
                   <a:ln>
                     <a:noFill/>
@@ -7148,7 +7165,7 @@
                   <a:uFillTx/>
                   <a:latin typeface="Bahnschrift" panose="020B0502040204020203" pitchFamily="34" charset="0"/>
                 </a:rPr>
-                <a:t>yyyy</a:t>
+                <a:t>Ghugan</a:t>
               </a:r>
               <a:endParaRPr kumimoji="0" lang="en-IN" sz="1400" b="1" i="0" u="none" strike="noStrike" kern="1200" cap="none" spc="0" normalizeH="0" baseline="0" noProof="0" dirty="0">
                 <a:ln>
@@ -8192,8 +8209,8 @@
         </p:blipFill>
         <p:spPr>
           <a:xfrm>
-            <a:off x="1371749" y="1111487"/>
-            <a:ext cx="1723857" cy="1686657"/>
+            <a:off x="1367158" y="1090596"/>
+            <a:ext cx="1723853" cy="1717472"/>
           </a:xfrm>
           <a:prstGeom prst="rect">
             <a:avLst/>
@@ -8254,7 +8271,7 @@
                 </a:solidFill>
                 <a:latin typeface="Bahnschrift" panose="020B0502040204020203" pitchFamily="34" charset="0"/>
               </a:rPr>
-              <a:t>Lalitha</a:t>
+              <a:t>Lalitha S</a:t>
             </a:r>
             <a:endParaRPr kumimoji="0" lang="en-IN" sz="1400" b="1" i="0" u="none" strike="noStrike" kern="1200" cap="none" spc="0" normalizeH="0" baseline="0" noProof="0" dirty="0">
               <a:ln>
@@ -8273,6 +8290,287 @@
           </a:p>
         </p:txBody>
       </p:sp>
+      <p:sp>
+        <p:nvSpPr>
+          <p:cNvPr id="53" name="Rectangle 52">
+            <a:extLst>
+              <a:ext uri="{FF2B5EF4-FFF2-40B4-BE49-F238E27FC236}">
+                <a16:creationId xmlns:a16="http://schemas.microsoft.com/office/drawing/2014/main" id="{C1AFA59D-428F-444A-887A-B20753F3F62D}"/>
+              </a:ext>
+            </a:extLst>
+          </p:cNvPr>
+          <p:cNvSpPr/>
+          <p:nvPr/>
+        </p:nvSpPr>
+        <p:spPr>
+          <a:xfrm>
+            <a:off x="6534708" y="1069704"/>
+            <a:ext cx="1701511" cy="1728440"/>
+          </a:xfrm>
+          <a:prstGeom prst="rect">
+            <a:avLst/>
+          </a:prstGeom>
+          <a:blipFill rotWithShape="1">
+            <a:blip r:embed="rId3"/>
+            <a:stretch>
+              <a:fillRect/>
+            </a:stretch>
+          </a:blipFill>
+          <a:ln w="3175">
+            <a:solidFill>
+              <a:schemeClr val="bg1">
+                <a:lumMod val="85000"/>
+              </a:schemeClr>
+            </a:solidFill>
+          </a:ln>
+        </p:spPr>
+        <p:style>
+          <a:lnRef idx="2">
+            <a:schemeClr val="accent1">
+              <a:shade val="15000"/>
+            </a:schemeClr>
+          </a:lnRef>
+          <a:fillRef idx="1">
+            <a:schemeClr val="accent1"/>
+          </a:fillRef>
+          <a:effectRef idx="0">
+            <a:schemeClr val="accent1"/>
+          </a:effectRef>
+          <a:fontRef idx="minor">
+            <a:schemeClr val="lt1"/>
+          </a:fontRef>
+        </p:style>
+        <p:txBody>
+          <a:bodyPr rtlCol="0" anchor="ctr"/>
+          <a:lstStyle/>
+          <a:p>
+            <a:pPr marL="0" marR="0" lvl="0" indent="0" algn="ctr" defTabSz="914400" rtl="0" eaLnBrk="1" fontAlgn="auto" latinLnBrk="0" hangingPunct="1">
+              <a:lnSpc>
+                <a:spcPct val="100000"/>
+              </a:lnSpc>
+              <a:spcBef>
+                <a:spcPts val="0"/>
+              </a:spcBef>
+              <a:spcAft>
+                <a:spcPts val="0"/>
+              </a:spcAft>
+              <a:buClrTx/>
+              <a:buSzTx/>
+              <a:buFontTx/>
+              <a:buNone/>
+              <a:defRPr/>
+            </a:pPr>
+            <a:endParaRPr kumimoji="0" lang="en-IN" sz="1800" b="0" i="0" u="none" strike="noStrike" kern="1200" cap="none" spc="0" normalizeH="0" baseline="0" noProof="0">
+              <a:ln>
+                <a:noFill/>
+              </a:ln>
+              <a:solidFill>
+                <a:prstClr val="white"/>
+              </a:solidFill>
+              <a:effectLst/>
+              <a:uLnTx/>
+              <a:uFillTx/>
+              <a:latin typeface="Aptos" panose="02110004020202020204"/>
+              <a:ea typeface="+mn-ea"/>
+              <a:cs typeface="+mn-cs"/>
+            </a:endParaRPr>
+          </a:p>
+        </p:txBody>
+      </p:sp>
+      <p:sp>
+        <p:nvSpPr>
+          <p:cNvPr id="55" name="Rectangle 54">
+            <a:extLst>
+              <a:ext uri="{FF2B5EF4-FFF2-40B4-BE49-F238E27FC236}">
+                <a16:creationId xmlns:a16="http://schemas.microsoft.com/office/drawing/2014/main" id="{E00F553A-E78A-4DB1-8B8E-51F5AFD4C786}"/>
+              </a:ext>
+            </a:extLst>
+          </p:cNvPr>
+          <p:cNvSpPr/>
+          <p:nvPr/>
+        </p:nvSpPr>
+        <p:spPr>
+          <a:xfrm>
+            <a:off x="9114150" y="1090595"/>
+            <a:ext cx="1728440" cy="1728440"/>
+          </a:xfrm>
+          <a:prstGeom prst="rect">
+            <a:avLst/>
+          </a:prstGeom>
+          <a:blipFill rotWithShape="1">
+            <a:blip r:embed="rId4"/>
+            <a:stretch>
+              <a:fillRect/>
+            </a:stretch>
+          </a:blipFill>
+          <a:ln w="3175">
+            <a:solidFill>
+              <a:schemeClr val="bg1">
+                <a:lumMod val="85000"/>
+              </a:schemeClr>
+            </a:solidFill>
+          </a:ln>
+        </p:spPr>
+        <p:style>
+          <a:lnRef idx="2">
+            <a:schemeClr val="accent1">
+              <a:shade val="15000"/>
+            </a:schemeClr>
+          </a:lnRef>
+          <a:fillRef idx="1">
+            <a:schemeClr val="accent1"/>
+          </a:fillRef>
+          <a:effectRef idx="0">
+            <a:schemeClr val="accent1"/>
+          </a:effectRef>
+          <a:fontRef idx="minor">
+            <a:schemeClr val="lt1"/>
+          </a:fontRef>
+        </p:style>
+        <p:txBody>
+          <a:bodyPr rtlCol="0" anchor="ctr"/>
+          <a:lstStyle/>
+          <a:p>
+            <a:pPr marL="0" marR="0" lvl="0" indent="0" algn="ctr" defTabSz="914400" rtl="0" eaLnBrk="1" fontAlgn="auto" latinLnBrk="0" hangingPunct="1">
+              <a:lnSpc>
+                <a:spcPct val="100000"/>
+              </a:lnSpc>
+              <a:spcBef>
+                <a:spcPts val="0"/>
+              </a:spcBef>
+              <a:spcAft>
+                <a:spcPts val="0"/>
+              </a:spcAft>
+              <a:buClrTx/>
+              <a:buSzTx/>
+              <a:buFontTx/>
+              <a:buNone/>
+              <a:defRPr/>
+            </a:pPr>
+            <a:endParaRPr kumimoji="0" lang="en-IN" sz="1800" b="0" i="0" u="none" strike="noStrike" kern="1200" cap="none" spc="0" normalizeH="0" baseline="0" noProof="0" dirty="0">
+              <a:ln>
+                <a:noFill/>
+              </a:ln>
+              <a:solidFill>
+                <a:prstClr val="white"/>
+              </a:solidFill>
+              <a:effectLst/>
+              <a:uLnTx/>
+              <a:uFillTx/>
+              <a:latin typeface="Aptos" panose="02110004020202020204"/>
+              <a:ea typeface="+mn-ea"/>
+              <a:cs typeface="+mn-cs"/>
+            </a:endParaRPr>
+          </a:p>
+        </p:txBody>
+      </p:sp>
+      <p:pic>
+        <p:nvPicPr>
+          <p:cNvPr id="7" name="Picture 6">
+            <a:extLst>
+              <a:ext uri="{FF2B5EF4-FFF2-40B4-BE49-F238E27FC236}">
+                <a16:creationId xmlns:a16="http://schemas.microsoft.com/office/drawing/2014/main" id="{BA4ADC66-807F-4691-84F9-05A42EDBC26C}"/>
+              </a:ext>
+            </a:extLst>
+          </p:cNvPr>
+          <p:cNvPicPr>
+            <a:picLocks noChangeAspect="1"/>
+          </p:cNvPicPr>
+          <p:nvPr/>
+        </p:nvPicPr>
+        <p:blipFill rotWithShape="1">
+          <a:blip r:embed="rId5">
+            <a:extLst>
+              <a:ext uri="{28A0092B-C50C-407E-A947-70E740481C1C}">
+                <a14:useLocalDpi xmlns:a14="http://schemas.microsoft.com/office/drawing/2010/main" val="0"/>
+              </a:ext>
+            </a:extLst>
+          </a:blip>
+          <a:srcRect r="4708"/>
+          <a:stretch/>
+        </p:blipFill>
+        <p:spPr>
+          <a:xfrm>
+            <a:off x="1382527" y="4105288"/>
+            <a:ext cx="1713075" cy="1767920"/>
+          </a:xfrm>
+          <a:prstGeom prst="rect">
+            <a:avLst/>
+          </a:prstGeom>
+        </p:spPr>
+      </p:pic>
+      <p:pic>
+        <p:nvPicPr>
+          <p:cNvPr id="9" name="Picture 8">
+            <a:extLst>
+              <a:ext uri="{FF2B5EF4-FFF2-40B4-BE49-F238E27FC236}">
+                <a16:creationId xmlns:a16="http://schemas.microsoft.com/office/drawing/2014/main" id="{C0287BBA-1FE7-4E90-8007-735C837CFD4F}"/>
+              </a:ext>
+            </a:extLst>
+          </p:cNvPr>
+          <p:cNvPicPr>
+            <a:picLocks noChangeAspect="1"/>
+          </p:cNvPicPr>
+          <p:nvPr/>
+        </p:nvPicPr>
+        <p:blipFill>
+          <a:blip r:embed="rId6">
+            <a:extLst>
+              <a:ext uri="{28A0092B-C50C-407E-A947-70E740481C1C}">
+                <a14:useLocalDpi xmlns:a14="http://schemas.microsoft.com/office/drawing/2010/main" val="0"/>
+              </a:ext>
+            </a:extLst>
+          </a:blip>
+          <a:stretch>
+            <a:fillRect/>
+          </a:stretch>
+        </p:blipFill>
+        <p:spPr>
+          <a:xfrm>
+            <a:off x="3943572" y="4096304"/>
+            <a:ext cx="1731087" cy="1728440"/>
+          </a:xfrm>
+          <a:prstGeom prst="rect">
+            <a:avLst/>
+          </a:prstGeom>
+        </p:spPr>
+      </p:pic>
+      <p:pic>
+        <p:nvPicPr>
+          <p:cNvPr id="41" name="Picture 40">
+            <a:extLst>
+              <a:ext uri="{FF2B5EF4-FFF2-40B4-BE49-F238E27FC236}">
+                <a16:creationId xmlns:a16="http://schemas.microsoft.com/office/drawing/2014/main" id="{94E99370-516E-46F2-839C-3DA18DD26D1A}"/>
+              </a:ext>
+            </a:extLst>
+          </p:cNvPr>
+          <p:cNvPicPr>
+            <a:picLocks noChangeAspect="1"/>
+          </p:cNvPicPr>
+          <p:nvPr/>
+        </p:nvPicPr>
+        <p:blipFill>
+          <a:blip r:embed="rId7">
+            <a:extLst>
+              <a:ext uri="{28A0092B-C50C-407E-A947-70E740481C1C}">
+                <a14:useLocalDpi xmlns:a14="http://schemas.microsoft.com/office/drawing/2010/main" val="0"/>
+              </a:ext>
+            </a:extLst>
+          </a:blip>
+          <a:stretch>
+            <a:fillRect/>
+          </a:stretch>
+        </p:blipFill>
+        <p:spPr>
+          <a:xfrm>
+            <a:off x="3941879" y="1050833"/>
+            <a:ext cx="1757068" cy="1766218"/>
+          </a:xfrm>
+          <a:prstGeom prst="rect">
+            <a:avLst/>
+          </a:prstGeom>
+        </p:spPr>
+      </p:pic>
     </p:spTree>
     <p:extLst>
       <p:ext uri="{BB962C8B-B14F-4D97-AF65-F5344CB8AC3E}">
@@ -8317,10 +8615,10 @@
         </p:nvGrpSpPr>
         <p:grpSpPr>
           <a:xfrm>
-            <a:off x="-3252787" y="854337"/>
-            <a:ext cx="15691189" cy="5366179"/>
-            <a:chOff x="-3085773" y="864775"/>
-            <a:chExt cx="15691189" cy="5366179"/>
+            <a:off x="529046" y="854337"/>
+            <a:ext cx="11909356" cy="5366179"/>
+            <a:chOff x="696060" y="864775"/>
+            <a:chExt cx="11909356" cy="5366179"/>
           </a:xfrm>
         </p:grpSpPr>
         <p:grpSp>
@@ -8704,10 +9002,10 @@
           </p:nvGrpSpPr>
           <p:grpSpPr>
             <a:xfrm>
-              <a:off x="-3085773" y="3448718"/>
-              <a:ext cx="15691189" cy="2781858"/>
-              <a:chOff x="-3124539" y="3198800"/>
-              <a:chExt cx="15691189" cy="2781858"/>
+              <a:off x="696060" y="3448718"/>
+              <a:ext cx="11909356" cy="2781858"/>
+              <a:chOff x="657294" y="3198800"/>
+              <a:chExt cx="11909356" cy="2781858"/>
             </a:xfrm>
           </p:grpSpPr>
           <p:grpSp>
@@ -8724,10 +9022,10 @@
             </p:nvGrpSpPr>
             <p:grpSpPr>
               <a:xfrm>
-                <a:off x="-3124539" y="3198800"/>
-                <a:ext cx="15691189" cy="2781858"/>
-                <a:chOff x="-3079934" y="3198800"/>
-                <a:chExt cx="15691189" cy="2781858"/>
+                <a:off x="657294" y="3198800"/>
+                <a:ext cx="11909356" cy="2781858"/>
+                <a:chOff x="701899" y="3198800"/>
+                <a:chExt cx="11909356" cy="2781858"/>
               </a:xfrm>
             </p:grpSpPr>
             <p:sp>
@@ -9095,203 +9393,6 @@
                     </a:rPr>
                     <a:t>Domain</a:t>
                   </a:r>
-                </a:p>
-              </p:txBody>
-            </p:sp>
-            <p:sp>
-              <p:nvSpPr>
-                <p:cNvPr id="31" name="TextBox 30">
-                  <a:extLst>
-                    <a:ext uri="{FF2B5EF4-FFF2-40B4-BE49-F238E27FC236}">
-                      <a16:creationId xmlns:a16="http://schemas.microsoft.com/office/drawing/2014/main" id="{7283AD80-BE97-AB16-64F3-F4355CC2B1A2}"/>
-                    </a:ext>
-                  </a:extLst>
-                </p:cNvPr>
-                <p:cNvSpPr txBox="1"/>
-                <p:nvPr/>
-              </p:nvSpPr>
-              <p:spPr>
-                <a:xfrm>
-                  <a:off x="-3079934" y="4026878"/>
-                  <a:ext cx="2307274" cy="1600438"/>
-                </a:xfrm>
-                <a:prstGeom prst="rect">
-                  <a:avLst/>
-                </a:prstGeom>
-                <a:noFill/>
-              </p:spPr>
-              <p:txBody>
-                <a:bodyPr wrap="square" lIns="91440" tIns="45720" rIns="91440" bIns="45720" rtlCol="0" anchor="t">
-                  <a:spAutoFit/>
-                </a:bodyPr>
-                <a:lstStyle/>
-                <a:p>
-                  <a:pPr marL="285750" marR="0" lvl="0" indent="-285750" algn="l" defTabSz="914400" rtl="0" eaLnBrk="1" fontAlgn="auto" latinLnBrk="0" hangingPunct="1">
-                    <a:lnSpc>
-                      <a:spcPct val="200000"/>
-                    </a:lnSpc>
-                    <a:spcBef>
-                      <a:spcPts val="0"/>
-                    </a:spcBef>
-                    <a:spcAft>
-                      <a:spcPts val="0"/>
-                    </a:spcAft>
-                    <a:buClrTx/>
-                    <a:buSzTx/>
-                    <a:buFont typeface="Arial" panose="020B0604020202020204" pitchFamily="34" charset="0"/>
-                    <a:buChar char="•"/>
-                    <a:tabLst/>
-                    <a:defRPr/>
-                  </a:pPr>
-                  <a:r>
-                    <a:rPr lang="en-IN" sz="1400" dirty="0"/>
-                    <a:t>Growing </a:t>
-                  </a:r>
-                  <a:r>
-                    <a:rPr lang="en-IN" sz="1400" dirty="0" err="1"/>
-                    <a:t>startups</a:t>
-                  </a:r>
-                  <a:r>
-                    <a:rPr kumimoji="0" lang="en-US" sz="1400" b="0" i="0" u="none" strike="noStrike" kern="1200" cap="none" spc="0" normalizeH="0" baseline="0" noProof="0" dirty="0">
-                      <a:ln>
-                        <a:noFill/>
-                      </a:ln>
-                      <a:solidFill>
-                        <a:prstClr val="black"/>
-                      </a:solidFill>
-                      <a:effectLst/>
-                      <a:uLnTx/>
-                      <a:uFillTx/>
-                      <a:latin typeface="Aptos" panose="02110004020202020204"/>
-                      <a:ea typeface="+mn-ea"/>
-                      <a:cs typeface="Times New Roman" panose="02020603050405020304" pitchFamily="18" charset="0"/>
-                    </a:rPr>
-                    <a:t> </a:t>
-                  </a:r>
-                </a:p>
-                <a:p>
-                  <a:pPr marL="285750" marR="0" lvl="0" indent="-285750" algn="l" defTabSz="914400" rtl="0" eaLnBrk="1" fontAlgn="auto" latinLnBrk="0" hangingPunct="1">
-                    <a:lnSpc>
-                      <a:spcPct val="200000"/>
-                    </a:lnSpc>
-                    <a:spcBef>
-                      <a:spcPts val="0"/>
-                    </a:spcBef>
-                    <a:spcAft>
-                      <a:spcPts val="0"/>
-                    </a:spcAft>
-                    <a:buClrTx/>
-                    <a:buSzTx/>
-                    <a:buFont typeface="Arial" panose="020B0604020202020204" pitchFamily="34" charset="0"/>
-                    <a:buChar char="•"/>
-                    <a:tabLst/>
-                    <a:defRPr/>
-                  </a:pPr>
-                  <a:r>
-                    <a:rPr lang="en-IN" sz="1400" dirty="0"/>
-                    <a:t>Finance departments</a:t>
-                  </a:r>
-                  <a:endParaRPr kumimoji="0" lang="en-US" sz="1400" b="0" i="0" u="none" strike="noStrike" kern="1200" cap="none" spc="0" normalizeH="0" baseline="0" noProof="0" dirty="0">
-                    <a:ln>
-                      <a:noFill/>
-                    </a:ln>
-                    <a:solidFill>
-                      <a:prstClr val="black"/>
-                    </a:solidFill>
-                    <a:effectLst/>
-                    <a:uLnTx/>
-                    <a:uFillTx/>
-                    <a:latin typeface="Aptos" panose="02110004020202020204"/>
-                    <a:ea typeface="+mn-ea"/>
-                    <a:cs typeface="Times New Roman"/>
-                  </a:endParaRPr>
-                </a:p>
-                <a:p>
-                  <a:pPr marL="285750" marR="0" lvl="0" indent="-285750" algn="l" defTabSz="914400" rtl="0" eaLnBrk="1" fontAlgn="auto" latinLnBrk="0" hangingPunct="1">
-                    <a:lnSpc>
-                      <a:spcPct val="200000"/>
-                    </a:lnSpc>
-                    <a:spcBef>
-                      <a:spcPts val="0"/>
-                    </a:spcBef>
-                    <a:spcAft>
-                      <a:spcPts val="0"/>
-                    </a:spcAft>
-                    <a:buClrTx/>
-                    <a:buSzTx/>
-                    <a:buFont typeface="Arial" panose="020B0604020202020204" pitchFamily="34" charset="0"/>
-                    <a:buChar char="•"/>
-                    <a:tabLst/>
-                    <a:defRPr/>
-                  </a:pPr>
-                  <a:r>
-                    <a:rPr lang="en-IN" sz="1400" dirty="0"/>
-                    <a:t>Medium enterprise</a:t>
-                  </a:r>
-                  <a:r>
-                    <a:rPr kumimoji="0" lang="en-US" sz="1400" b="0" i="0" u="none" strike="noStrike" kern="1200" cap="none" spc="0" normalizeH="0" baseline="0" noProof="0" dirty="0">
-                      <a:ln>
-                        <a:noFill/>
-                      </a:ln>
-                      <a:solidFill>
-                        <a:prstClr val="black"/>
-                      </a:solidFill>
-                      <a:effectLst/>
-                      <a:uLnTx/>
-                      <a:uFillTx/>
-                      <a:latin typeface="Aptos" panose="02110004020202020204"/>
-                      <a:ea typeface="+mn-ea"/>
-                      <a:cs typeface="Times New Roman"/>
-                    </a:rPr>
-                    <a:t>s</a:t>
-                  </a:r>
-                  <a:endParaRPr kumimoji="0" lang="en-IN" sz="1400" b="0" i="0" u="none" strike="noStrike" kern="1200" cap="none" spc="0" normalizeH="0" baseline="0" noProof="0" dirty="0">
-                    <a:ln>
-                      <a:noFill/>
-                    </a:ln>
-                    <a:solidFill>
-                      <a:prstClr val="black"/>
-                    </a:solidFill>
-                    <a:effectLst/>
-                    <a:uLnTx/>
-                    <a:uFillTx/>
-                    <a:latin typeface="Aptos" panose="02110004020202020204"/>
-                    <a:ea typeface="+mn-ea"/>
-                    <a:cs typeface="Times New Roman"/>
-                  </a:endParaRPr>
-                </a:p>
-                <a:p>
-                  <a:pPr marL="0" marR="0" lvl="0" indent="0" algn="just" defTabSz="914400" rtl="0" eaLnBrk="1" fontAlgn="auto" latinLnBrk="0" hangingPunct="1">
-                    <a:lnSpc>
-                      <a:spcPct val="100000"/>
-                    </a:lnSpc>
-                    <a:spcBef>
-                      <a:spcPts val="0"/>
-                    </a:spcBef>
-                    <a:spcAft>
-                      <a:spcPts val="0"/>
-                    </a:spcAft>
-                    <a:buClrTx/>
-                    <a:buSzTx/>
-                    <a:buFontTx/>
-                    <a:buNone/>
-                    <a:tabLst/>
-                    <a:defRPr/>
-                  </a:pPr>
-                  <a:endParaRPr kumimoji="0" lang="en-IN" sz="1400" b="0" i="0" u="none" strike="noStrike" kern="1200" cap="none" spc="0" normalizeH="0" baseline="0" noProof="0" dirty="0">
-                    <a:ln>
-                      <a:noFill/>
-                    </a:ln>
-                    <a:solidFill>
-                      <a:prstClr val="black"/>
-                    </a:solidFill>
-                    <a:effectLst/>
-                    <a:uLnTx/>
-                    <a:uFillTx/>
-                    <a:latin typeface="Aptos" panose="02110004020202020204"/>
-                    <a:ea typeface="+mn-ea"/>
-                    <a:cs typeface="+mn-cs"/>
-                  </a:endParaRPr>
                 </a:p>
               </p:txBody>
             </p:sp>
@@ -18174,7 +18275,7 @@
                 <a:defRPr/>
               </a:pPr>
               <a:r>
-                <a:rPr kumimoji="0" lang="en-IN" sz="1400" b="0" i="0" u="none" strike="noStrike" kern="1200" cap="none" spc="0" normalizeH="0" baseline="0" noProof="0">
+                <a:rPr kumimoji="0" lang="en-IN" sz="1400" b="0" i="0" u="none" strike="noStrike" kern="1200" cap="none" spc="0" normalizeH="0" baseline="0" noProof="0" dirty="0">
                   <a:ln>
                     <a:noFill/>
                   </a:ln>
@@ -18191,7 +18292,7 @@
                 <a:t>Project presentation (this document) is available at </a:t>
               </a:r>
               <a:r>
-                <a:rPr kumimoji="0" lang="en-IN" sz="1400" b="0" i="0" u="none" strike="noStrike" kern="1200" cap="none" spc="0" normalizeH="0" baseline="0" noProof="0">
+                <a:rPr kumimoji="0" lang="en-IN" sz="1400" b="0" i="0" u="none" strike="noStrike" kern="1200" cap="none" spc="0" normalizeH="0" baseline="0" noProof="0" dirty="0">
                   <a:ln>
                     <a:noFill/>
                   </a:ln>
@@ -18208,7 +18309,7 @@
                 </a:rPr>
                 <a:t>Link</a:t>
               </a:r>
-              <a:endParaRPr kumimoji="0" lang="en-IN" sz="1400" b="0" i="0" u="none" strike="noStrike" kern="1200" cap="none" spc="0" normalizeH="0" baseline="0" noProof="0">
+              <a:endParaRPr kumimoji="0" lang="en-IN" sz="1400" b="0" i="0" u="none" strike="noStrike" kern="1200" cap="none" spc="0" normalizeH="0" baseline="0" noProof="0" dirty="0">
                 <a:ln>
                   <a:noFill/>
                 </a:ln>
@@ -18292,7 +18393,7 @@
                 <a:defRPr/>
               </a:pPr>
               <a:r>
-                <a:rPr kumimoji="0" lang="en-IN" sz="1800" b="1" i="0" u="none" strike="noStrike" kern="1200" cap="none" spc="0" normalizeH="0" baseline="0" noProof="0">
+                <a:rPr kumimoji="0" lang="en-IN" sz="1800" b="1" i="0" u="none" strike="noStrike" kern="1200" cap="none" spc="0" normalizeH="0" baseline="0" noProof="0" dirty="0">
                   <a:ln>
                     <a:noFill/>
                   </a:ln>
@@ -18357,7 +18458,7 @@
                 <a:defRPr/>
               </a:pPr>
               <a:r>
-                <a:rPr kumimoji="0" lang="en-IN" sz="1400" b="0" i="0" u="none" strike="noStrike" kern="1200" cap="none" spc="0" normalizeH="0" baseline="0" noProof="0">
+                <a:rPr kumimoji="0" lang="en-IN" sz="1400" b="0" i="0" u="none" strike="noStrike" kern="1200" cap="none" spc="0" normalizeH="0" baseline="0" noProof="0" dirty="0">
                   <a:ln>
                     <a:noFill/>
                   </a:ln>
@@ -18374,7 +18475,7 @@
                 <a:t>Project requirement document / specification is available at </a:t>
               </a:r>
               <a:r>
-                <a:rPr kumimoji="0" lang="en-IN" sz="1400" b="0" i="0" u="none" strike="noStrike" kern="1200" cap="none" spc="0" normalizeH="0" baseline="0" noProof="0">
+                <a:rPr kumimoji="0" lang="en-IN" sz="1400" b="0" i="0" u="none" strike="noStrike" kern="1200" cap="none" spc="0" normalizeH="0" baseline="0" noProof="0" dirty="0">
                   <a:ln>
                     <a:noFill/>
                   </a:ln>
@@ -18391,7 +18492,7 @@
                 </a:rPr>
                 <a:t>Link</a:t>
               </a:r>
-              <a:endParaRPr kumimoji="0" lang="en-IN" sz="1400" b="0" i="0" u="none" strike="noStrike" kern="1200" cap="none" spc="0" normalizeH="0" baseline="0" noProof="0">
+              <a:endParaRPr kumimoji="0" lang="en-IN" sz="1400" b="0" i="0" u="none" strike="noStrike" kern="1200" cap="none" spc="0" normalizeH="0" baseline="0" noProof="0" dirty="0">
                 <a:ln>
                   <a:noFill/>
                 </a:ln>
@@ -18723,7 +18824,7 @@
                 <a:defRPr/>
               </a:pPr>
               <a:r>
-                <a:rPr kumimoji="0" lang="en-IN" sz="1400" b="0" i="0" u="none" strike="noStrike" kern="1200" cap="none" spc="0" normalizeH="0" baseline="0" noProof="0">
+                <a:rPr kumimoji="0" lang="en-IN" sz="1400" b="0" i="0" u="none" strike="noStrike" kern="1200" cap="none" spc="0" normalizeH="0" baseline="0" noProof="0" dirty="0">
                   <a:ln>
                     <a:noFill/>
                   </a:ln>
@@ -18740,7 +18841,7 @@
                 <a:t>Application is available at </a:t>
               </a:r>
               <a:r>
-                <a:rPr kumimoji="0" lang="en-IN" sz="1400" b="0" i="0" u="none" strike="noStrike" kern="1200" cap="none" spc="0" normalizeH="0" baseline="0" noProof="0">
+                <a:rPr kumimoji="0" lang="en-IN" sz="1400" b="0" i="0" u="none" strike="noStrike" kern="1200" cap="none" spc="0" normalizeH="0" baseline="0" noProof="0" dirty="0">
                   <a:ln>
                     <a:noFill/>
                   </a:ln>
@@ -18753,11 +18854,11 @@
                   <a:latin typeface="Aptos" panose="02110004020202020204"/>
                   <a:ea typeface="+mn-ea"/>
                   <a:cs typeface="+mn-cs"/>
-                  <a:hlinkClick r:id="rId9"/>
+                  <a:hlinkClick r:id="rId8"/>
                 </a:rPr>
                 <a:t>Link</a:t>
               </a:r>
-              <a:endParaRPr kumimoji="0" lang="en-IN" sz="1400" b="0" i="0" u="none" strike="noStrike" kern="1200" cap="none" spc="0" normalizeH="0" baseline="0" noProof="0">
+              <a:endParaRPr kumimoji="0" lang="en-IN" sz="1400" b="0" i="0" u="none" strike="noStrike" kern="1200" cap="none" spc="0" normalizeH="0" baseline="0" noProof="0" dirty="0">
                 <a:ln>
                   <a:noFill/>
                 </a:ln>
@@ -18936,7 +19037,7 @@
                   <a:latin typeface="Aptos" panose="02110004020202020204"/>
                   <a:ea typeface="+mn-ea"/>
                   <a:cs typeface="+mn-cs"/>
-                  <a:hlinkClick r:id="rId10"/>
+                  <a:hlinkClick r:id="rId9"/>
                 </a:rPr>
                 <a:t>Link</a:t>
               </a:r>
@@ -19119,7 +19220,7 @@
                   <a:latin typeface="Aptos" panose="02110004020202020204"/>
                   <a:ea typeface="+mn-ea"/>
                   <a:cs typeface="+mn-cs"/>
-                  <a:hlinkClick r:id="rId11"/>
+                  <a:hlinkClick r:id="rId10"/>
                 </a:rPr>
                 <a:t>Link</a:t>
               </a:r>
@@ -19137,7 +19238,7 @@
                   <a:latin typeface="Aptos" panose="02110004020202020204"/>
                   <a:ea typeface="+mn-ea"/>
                   <a:cs typeface="+mn-cs"/>
-                  <a:hlinkClick r:id="rId12"/>
+                  <a:hlinkClick r:id="rId11"/>
                 </a:rPr>
               </a:br>
               <a:endParaRPr kumimoji="0" lang="en-IN" sz="1400" b="0" i="0" u="none" strike="noStrike" kern="1200" cap="none" spc="0" normalizeH="0" baseline="0" noProof="0" dirty="0">

--- a/ZipCord-GenAI-PPT.pptx
+++ b/ZipCord-GenAI-PPT.pptx
@@ -251,7 +251,7 @@
           <a:p>
             <a:fld id="{243BF26B-0933-4A58-817D-6DBF03AD9535}" type="datetimeFigureOut">
               <a:rPr lang="en-IN" smtClean="0"/>
-              <a:t>25-03-2025</a:t>
+              <a:t>27-03-2025</a:t>
             </a:fld>
             <a:endParaRPr lang="en-IN"/>
           </a:p>
@@ -956,7 +956,7 @@
           <a:p>
             <a:fld id="{1212FF37-2284-44EF-98CB-98262E5BCAF4}" type="datetimeFigureOut">
               <a:rPr lang="en-IN" smtClean="0"/>
-              <a:t>25-03-2025</a:t>
+              <a:t>27-03-2025</a:t>
             </a:fld>
             <a:endParaRPr lang="en-IN"/>
           </a:p>
@@ -1156,7 +1156,7 @@
           <a:p>
             <a:fld id="{1212FF37-2284-44EF-98CB-98262E5BCAF4}" type="datetimeFigureOut">
               <a:rPr lang="en-IN" smtClean="0"/>
-              <a:t>25-03-2025</a:t>
+              <a:t>27-03-2025</a:t>
             </a:fld>
             <a:endParaRPr lang="en-IN"/>
           </a:p>
@@ -1366,7 +1366,7 @@
           <a:p>
             <a:fld id="{1212FF37-2284-44EF-98CB-98262E5BCAF4}" type="datetimeFigureOut">
               <a:rPr lang="en-IN" smtClean="0"/>
-              <a:t>25-03-2025</a:t>
+              <a:t>27-03-2025</a:t>
             </a:fld>
             <a:endParaRPr lang="en-IN"/>
           </a:p>
@@ -1566,7 +1566,7 @@
           <a:p>
             <a:fld id="{1212FF37-2284-44EF-98CB-98262E5BCAF4}" type="datetimeFigureOut">
               <a:rPr lang="en-IN" smtClean="0"/>
-              <a:t>25-03-2025</a:t>
+              <a:t>27-03-2025</a:t>
             </a:fld>
             <a:endParaRPr lang="en-IN"/>
           </a:p>
@@ -1842,7 +1842,7 @@
           <a:p>
             <a:fld id="{1212FF37-2284-44EF-98CB-98262E5BCAF4}" type="datetimeFigureOut">
               <a:rPr lang="en-IN" smtClean="0"/>
-              <a:t>25-03-2025</a:t>
+              <a:t>27-03-2025</a:t>
             </a:fld>
             <a:endParaRPr lang="en-IN"/>
           </a:p>
@@ -2110,7 +2110,7 @@
           <a:p>
             <a:fld id="{1212FF37-2284-44EF-98CB-98262E5BCAF4}" type="datetimeFigureOut">
               <a:rPr lang="en-IN" smtClean="0"/>
-              <a:t>25-03-2025</a:t>
+              <a:t>27-03-2025</a:t>
             </a:fld>
             <a:endParaRPr lang="en-IN"/>
           </a:p>
@@ -2525,7 +2525,7 @@
           <a:p>
             <a:fld id="{1212FF37-2284-44EF-98CB-98262E5BCAF4}" type="datetimeFigureOut">
               <a:rPr lang="en-IN" smtClean="0"/>
-              <a:t>25-03-2025</a:t>
+              <a:t>27-03-2025</a:t>
             </a:fld>
             <a:endParaRPr lang="en-IN"/>
           </a:p>
@@ -2667,7 +2667,7 @@
           <a:p>
             <a:fld id="{1212FF37-2284-44EF-98CB-98262E5BCAF4}" type="datetimeFigureOut">
               <a:rPr lang="en-IN" smtClean="0"/>
-              <a:t>25-03-2025</a:t>
+              <a:t>27-03-2025</a:t>
             </a:fld>
             <a:endParaRPr lang="en-IN"/>
           </a:p>
@@ -3152,7 +3152,7 @@
           <a:p>
             <a:fld id="{1212FF37-2284-44EF-98CB-98262E5BCAF4}" type="datetimeFigureOut">
               <a:rPr lang="en-IN" smtClean="0"/>
-              <a:t>25-03-2025</a:t>
+              <a:t>27-03-2025</a:t>
             </a:fld>
             <a:endParaRPr lang="en-IN"/>
           </a:p>
@@ -3441,7 +3441,7 @@
           <a:p>
             <a:fld id="{1212FF37-2284-44EF-98CB-98262E5BCAF4}" type="datetimeFigureOut">
               <a:rPr lang="en-IN" smtClean="0"/>
-              <a:t>25-03-2025</a:t>
+              <a:t>27-03-2025</a:t>
             </a:fld>
             <a:endParaRPr lang="en-IN"/>
           </a:p>
@@ -3684,7 +3684,7 @@
           <a:p>
             <a:fld id="{1212FF37-2284-44EF-98CB-98262E5BCAF4}" type="datetimeFigureOut">
               <a:rPr lang="en-IN" smtClean="0"/>
-              <a:t>25-03-2025</a:t>
+              <a:t>27-03-2025</a:t>
             </a:fld>
             <a:endParaRPr lang="en-IN"/>
           </a:p>
@@ -4603,6 +4603,14 @@
   <p:clrMapOvr>
     <a:masterClrMapping/>
   </p:clrMapOvr>
+  <mc:AlternateContent xmlns:mc="http://schemas.openxmlformats.org/markup-compatibility/2006">
+    <mc:Choice xmlns:p14="http://schemas.microsoft.com/office/powerpoint/2010/main" Requires="p14">
+      <p:transition spd="slow" p14:dur="2000" advTm="228"/>
+    </mc:Choice>
+    <mc:Fallback>
+      <p:transition spd="slow" advTm="228"/>
+    </mc:Fallback>
+  </mc:AlternateContent>
 </p:sld>
 </file>
 
@@ -5285,9 +5293,9 @@
         <p:grpSpPr>
           <a:xfrm>
             <a:off x="1050095" y="734457"/>
-            <a:ext cx="2362574" cy="2904607"/>
+            <a:ext cx="2362574" cy="2535275"/>
             <a:chOff x="596382" y="716019"/>
-            <a:chExt cx="2362574" cy="2904607"/>
+            <a:chExt cx="2362574" cy="2535275"/>
           </a:xfrm>
         </p:grpSpPr>
         <p:sp>
@@ -5415,9 +5423,9 @@
           <p:grpSpPr>
             <a:xfrm>
               <a:off x="596382" y="1061189"/>
-              <a:ext cx="2362574" cy="2559437"/>
+              <a:ext cx="2362574" cy="2190105"/>
               <a:chOff x="596382" y="1153287"/>
-              <a:chExt cx="2362574" cy="2559437"/>
+              <a:chExt cx="2362574" cy="2190105"/>
             </a:xfrm>
           </p:grpSpPr>
           <p:sp>
@@ -5520,7 +5528,7 @@
             <p:spPr>
               <a:xfrm>
                 <a:off x="596382" y="2881727"/>
-                <a:ext cx="2362574" cy="830997"/>
+                <a:ext cx="2362574" cy="461665"/>
               </a:xfrm>
               <a:prstGeom prst="rect">
                 <a:avLst/>
@@ -5565,27 +5573,8 @@
                     <a:uFillTx/>
                     <a:latin typeface="Ginto"/>
                   </a:rPr>
-                  <a:t>III - BSc Graphics &amp; Communication Design</a:t>
+                  <a:t>III - BCA </a:t>
                 </a:r>
-              </a:p>
-              <a:p>
-                <a:pPr marL="0" marR="0" lvl="0" indent="0" algn="ctr" defTabSz="914400" rtl="0" eaLnBrk="1" fontAlgn="auto" latinLnBrk="0" hangingPunct="1">
-                  <a:lnSpc>
-                    <a:spcPct val="100000"/>
-                  </a:lnSpc>
-                  <a:spcBef>
-                    <a:spcPts val="0"/>
-                  </a:spcBef>
-                  <a:spcAft>
-                    <a:spcPts val="0"/>
-                  </a:spcAft>
-                  <a:buClrTx/>
-                  <a:buSzTx/>
-                  <a:buFontTx/>
-                  <a:buNone/>
-                  <a:tabLst/>
-                  <a:defRPr/>
-                </a:pPr>
                 <a:r>
                   <a:rPr lang="en-US" sz="1200" dirty="0">
                     <a:solidFill>
@@ -5660,10 +5649,10 @@
         </p:nvGrpSpPr>
         <p:grpSpPr>
           <a:xfrm>
-            <a:off x="3722914" y="696382"/>
-            <a:ext cx="7089717" cy="2947498"/>
-            <a:chOff x="3571674" y="677944"/>
-            <a:chExt cx="7089717" cy="2947498"/>
+            <a:off x="3763338" y="696382"/>
+            <a:ext cx="7049293" cy="2762080"/>
+            <a:chOff x="3612098" y="677944"/>
+            <a:chExt cx="7049293" cy="2762080"/>
           </a:xfrm>
         </p:grpSpPr>
         <p:sp>
@@ -5781,10 +5770,10 @@
           </p:nvGrpSpPr>
           <p:grpSpPr>
             <a:xfrm>
-              <a:off x="3571674" y="1061189"/>
-              <a:ext cx="2362574" cy="2564253"/>
-              <a:chOff x="3571674" y="1153287"/>
-              <a:chExt cx="2362574" cy="2564253"/>
+              <a:off x="3612098" y="1061189"/>
+              <a:ext cx="2362574" cy="2378835"/>
+              <a:chOff x="3612098" y="1153287"/>
+              <a:chExt cx="2362574" cy="2378835"/>
             </a:xfrm>
           </p:grpSpPr>
           <p:sp>
@@ -5886,8 +5875,8 @@
             </p:nvSpPr>
             <p:spPr>
               <a:xfrm>
-                <a:off x="3571674" y="2886543"/>
-                <a:ext cx="2362574" cy="830997"/>
+                <a:off x="3612098" y="2885791"/>
+                <a:ext cx="2362574" cy="646331"/>
               </a:xfrm>
               <a:prstGeom prst="rect">
                 <a:avLst/>
@@ -5932,7 +5921,7 @@
                     <a:uFillTx/>
                     <a:latin typeface="Ginto"/>
                   </a:rPr>
-                  <a:t>III - BSc Graphics &amp; Communication Design</a:t>
+                  <a:t>III - BCA</a:t>
                 </a:r>
               </a:p>
               <a:p>
@@ -5990,7 +5979,7 @@
                   <a:defRPr/>
                 </a:pPr>
                 <a:r>
-                  <a:rPr kumimoji="0" lang="en-US" sz="1200" b="0" i="0" u="none" strike="noStrike" kern="1200" cap="none" spc="0" normalizeH="0" baseline="0" noProof="0" dirty="0">
+                  <a:rPr kumimoji="0" lang="en-IN" sz="1200" b="0" i="0" u="none" strike="noStrike" kern="1200" cap="none" spc="0" normalizeH="0" baseline="0" noProof="0" dirty="0">
                     <a:ln>
                       <a:noFill/>
                     </a:ln>
@@ -6004,22 +5993,8 @@
                     <a:uFillTx/>
                     <a:latin typeface="Ginto"/>
                   </a:rPr>
-                  <a:t>Technical Development</a:t>
+                  <a:t>UI/UX Designer</a:t>
                 </a:r>
-                <a:endParaRPr kumimoji="0" lang="en-IN" sz="1200" b="0" i="0" u="none" strike="noStrike" kern="1200" cap="none" spc="0" normalizeH="0" baseline="0" noProof="0" dirty="0">
-                  <a:ln>
-                    <a:noFill/>
-                  </a:ln>
-                  <a:solidFill>
-                    <a:prstClr val="white">
-                      <a:lumMod val="50000"/>
-                    </a:prstClr>
-                  </a:solidFill>
-                  <a:effectLst/>
-                  <a:uLnTx/>
-                  <a:uFillTx/>
-                  <a:latin typeface="Ginto"/>
-                </a:endParaRPr>
               </a:p>
             </p:txBody>
           </p:sp>
@@ -6346,22 +6321,30 @@
                   <a:defRPr/>
                 </a:pPr>
                 <a:r>
-                  <a:rPr kumimoji="0" lang="en-US" sz="1200" b="0" i="0" u="none" strike="noStrike" kern="1200" cap="none" spc="0" normalizeH="0" baseline="0" noProof="0" dirty="0">
-                    <a:ln>
-                      <a:noFill/>
-                    </a:ln>
+                  <a:rPr lang="en-IN" sz="1200" dirty="0">
                     <a:solidFill>
-                      <a:prstClr val="white">
+                      <a:schemeClr val="bg2">
                         <a:lumMod val="50000"/>
-                      </a:prstClr>
+                      </a:schemeClr>
                     </a:solidFill>
-                    <a:effectLst/>
-                    <a:uLnTx/>
-                    <a:uFillTx/>
                     <a:latin typeface="Ginto"/>
                   </a:rPr>
-                  <a:t>UI &amp; UX Development</a:t>
+                  <a:t>Compliance &amp; Risk Consultant</a:t>
                 </a:r>
+                <a:endParaRPr kumimoji="0" lang="en-US" sz="1200" b="0" i="0" u="none" strike="noStrike" kern="1200" cap="none" spc="0" normalizeH="0" baseline="0" noProof="0" dirty="0">
+                  <a:ln>
+                    <a:noFill/>
+                  </a:ln>
+                  <a:solidFill>
+                    <a:schemeClr val="bg2">
+                      <a:lumMod val="50000"/>
+                    </a:schemeClr>
+                  </a:solidFill>
+                  <a:effectLst/>
+                  <a:uLnTx/>
+                  <a:uFillTx/>
+                  <a:latin typeface="Ginto"/>
+                </a:endParaRPr>
               </a:p>
               <a:p>
                 <a:pPr marL="0" marR="0" lvl="0" indent="0" algn="ctr" defTabSz="914400" rtl="0" eaLnBrk="1" fontAlgn="auto" latinLnBrk="0" hangingPunct="1">
@@ -8581,6 +8564,14 @@
   <p:clrMapOvr>
     <a:masterClrMapping/>
   </p:clrMapOvr>
+  <mc:AlternateContent xmlns:mc="http://schemas.openxmlformats.org/markup-compatibility/2006">
+    <mc:Choice xmlns:p14="http://schemas.microsoft.com/office/powerpoint/2010/main" Requires="p14">
+      <p:transition spd="slow" p14:dur="2000" advTm="232"/>
+    </mc:Choice>
+    <mc:Fallback>
+      <p:transition spd="slow" advTm="232"/>
+    </mc:Fallback>
+  </mc:AlternateContent>
 </p:sld>
 </file>
 
@@ -9883,23 +9874,6 @@
                   <a:r>
                     <a:rPr lang="en-US" sz="1400" dirty="0"/>
                     <a:t> combines innovative fintech solutions with AI-driven analytics to revolutionize how businesses handle corporate expenses and financial management. The company helps organizations automate financial tasks through its corporate card platform, empowering smarter spending decisions with real-time tracking and intelligent insights.</a:t>
-                  </a:r>
-                  <a:r>
-                    <a:rPr kumimoji="0" lang="en-US" sz="1400" b="0" i="0" u="none" strike="noStrike" kern="1200" cap="none" spc="0" normalizeH="0" baseline="0" noProof="0" dirty="0">
-                      <a:ln>
-                        <a:noFill/>
-                      </a:ln>
-                      <a:solidFill>
-                        <a:prstClr val="black"/>
-                      </a:solidFill>
-                      <a:effectLst/>
-                      <a:uLnTx/>
-                      <a:uFillTx/>
-                      <a:latin typeface="Aptos" panose="02110004020202020204"/>
-                      <a:ea typeface="+mn-ea"/>
-                      <a:cs typeface="+mn-cs"/>
-                    </a:rPr>
-                    <a:t>.</a:t>
                   </a:r>
                   <a:endParaRPr lang="en-IN" sz="1400" b="0" i="0" u="none" strike="noStrike" kern="1200" cap="none" spc="0" normalizeH="0" baseline="0" noProof="0" dirty="0">
                     <a:ln>
@@ -12234,9 +12208,9 @@
         <p:grpSpPr>
           <a:xfrm>
             <a:off x="796253" y="1078003"/>
-            <a:ext cx="5107625" cy="904887"/>
+            <a:ext cx="5121071" cy="1120331"/>
             <a:chOff x="657294" y="801812"/>
-            <a:chExt cx="3970199" cy="904887"/>
+            <a:chExt cx="3980651" cy="1120331"/>
           </a:xfrm>
         </p:grpSpPr>
         <p:sp>
@@ -12318,8 +12292,8 @@
           </p:nvSpPr>
           <p:spPr>
             <a:xfrm>
-              <a:off x="657294" y="1183479"/>
-              <a:ext cx="3970199" cy="523220"/>
+              <a:off x="667746" y="1183479"/>
+              <a:ext cx="3970199" cy="738664"/>
             </a:xfrm>
             <a:prstGeom prst="rect">
               <a:avLst/>
@@ -12350,22 +12324,23 @@
                 <a:defRPr/>
               </a:pPr>
               <a:r>
-                <a:rPr kumimoji="0" lang="en-IN" sz="1400" b="0" i="0" u="none" strike="noStrike" kern="1200" cap="none" spc="0" normalizeH="0" baseline="0" noProof="0" dirty="0">
-                  <a:ln>
-                    <a:noFill/>
-                  </a:ln>
-                  <a:solidFill>
-                    <a:prstClr val="black"/>
-                  </a:solidFill>
-                  <a:effectLst/>
-                  <a:uLnTx/>
-                  <a:uFillTx/>
-                  <a:latin typeface="Aptos" panose="02110004020202020204"/>
-                  <a:ea typeface="+mn-ea"/>
-                  <a:cs typeface="+mn-cs"/>
-                </a:rPr>
-                <a:t>No-code platform </a:t>
+                <a:rPr lang="en-IN" sz="1400" dirty="0"/>
+                <a:t>React-based web application</a:t>
               </a:r>
+              <a:endParaRPr kumimoji="0" lang="en-IN" sz="1400" b="0" i="0" u="none" strike="noStrike" kern="1200" cap="none" spc="0" normalizeH="0" baseline="0" noProof="0" dirty="0">
+                <a:ln>
+                  <a:noFill/>
+                </a:ln>
+                <a:solidFill>
+                  <a:prstClr val="black"/>
+                </a:solidFill>
+                <a:effectLst/>
+                <a:uLnTx/>
+                <a:uFillTx/>
+                <a:latin typeface="Aptos" panose="02110004020202020204"/>
+                <a:ea typeface="+mn-ea"/>
+                <a:cs typeface="+mn-cs"/>
+              </a:endParaRPr>
             </a:p>
             <a:p>
               <a:pPr marL="285750" marR="0" lvl="0" indent="-285750" algn="l" defTabSz="914400" rtl="0" eaLnBrk="1" fontAlgn="auto" latinLnBrk="0" hangingPunct="1">
@@ -12402,6 +12377,33 @@
                 <a:rPr lang="en-IN" sz="1400" dirty="0"/>
                 <a:t> Tailwind CSS</a:t>
               </a:r>
+            </a:p>
+            <a:p>
+              <a:pPr marL="285750" marR="0" lvl="0" indent="-285750" algn="l" defTabSz="914400" rtl="0" eaLnBrk="1" fontAlgn="auto" latinLnBrk="0" hangingPunct="1">
+                <a:lnSpc>
+                  <a:spcPct val="100000"/>
+                </a:lnSpc>
+                <a:spcBef>
+                  <a:spcPts val="0"/>
+                </a:spcBef>
+                <a:spcAft>
+                  <a:spcPts val="0"/>
+                </a:spcAft>
+                <a:buClrTx/>
+                <a:buSzTx/>
+                <a:buFont typeface="Arial" panose="020B0604020202020204" pitchFamily="34" charset="0"/>
+                <a:buChar char="•"/>
+                <a:tabLst/>
+                <a:defRPr/>
+              </a:pPr>
+              <a:r>
+                <a:rPr lang="en-US" sz="1400" b="1" dirty="0"/>
+                <a:t>Hosting Platform:</a:t>
+              </a:r>
+              <a:r>
+                <a:rPr lang="en-US" sz="1400" dirty="0"/>
+                <a:t> Netlify (for deploying the frontend)</a:t>
+              </a:r>
               <a:endParaRPr kumimoji="0" lang="en-IN" sz="1400" b="0" i="0" u="none" strike="noStrike" kern="1200" cap="none" spc="0" normalizeH="0" baseline="0" noProof="0" dirty="0">
                 <a:ln>
                   <a:noFill/>
@@ -12434,7 +12436,7 @@
         </p:nvGrpSpPr>
         <p:grpSpPr>
           <a:xfrm>
-            <a:off x="796252" y="4650223"/>
+            <a:off x="796253" y="4642835"/>
             <a:ext cx="5107625" cy="689444"/>
             <a:chOff x="657294" y="801812"/>
             <a:chExt cx="3970199" cy="689444"/>
@@ -12920,9 +12922,9 @@
         <p:grpSpPr>
           <a:xfrm>
             <a:off x="796253" y="2271133"/>
-            <a:ext cx="5107625" cy="689444"/>
+            <a:ext cx="5107625" cy="1120331"/>
             <a:chOff x="657294" y="801812"/>
-            <a:chExt cx="3970199" cy="689444"/>
+            <a:chExt cx="3970199" cy="1120331"/>
           </a:xfrm>
         </p:grpSpPr>
         <p:sp>
@@ -12971,7 +12973,7 @@
                 <a:defRPr/>
               </a:pPr>
               <a:r>
-                <a:rPr kumimoji="0" lang="en-IN" sz="1800" b="1" i="0" u="none" strike="noStrike" kern="1200" cap="none" spc="0" normalizeH="0" baseline="0" noProof="0">
+                <a:rPr kumimoji="0" lang="en-IN" sz="1800" b="1" i="0" u="none" strike="noStrike" kern="1200" cap="none" spc="0" normalizeH="0" baseline="0" noProof="0" dirty="0">
                   <a:ln>
                     <a:noFill/>
                   </a:ln>
@@ -13005,7 +13007,7 @@
           <p:spPr>
             <a:xfrm>
               <a:off x="657294" y="1183479"/>
-              <a:ext cx="3970199" cy="307777"/>
+              <a:ext cx="3970199" cy="738664"/>
             </a:xfrm>
             <a:prstGeom prst="rect">
               <a:avLst/>
@@ -13036,22 +13038,90 @@
                 <a:defRPr/>
               </a:pPr>
               <a:r>
-                <a:rPr kumimoji="0" lang="en-IN" sz="1400" b="0" i="0" u="none" strike="noStrike" kern="1200" cap="none" spc="0" normalizeH="0" baseline="0" noProof="0">
-                  <a:ln>
-                    <a:noFill/>
-                  </a:ln>
+                <a:rPr lang="en-IN" sz="1400" dirty="0"/>
+                <a:t>Backend Framework</a:t>
+              </a:r>
+              <a:r>
+                <a:rPr lang="en-IN" sz="1400" dirty="0">
                   <a:solidFill>
                     <a:prstClr val="black"/>
                   </a:solidFill>
-                  <a:effectLst/>
-                  <a:uLnTx/>
-                  <a:uFillTx/>
                   <a:latin typeface="Aptos" panose="02110004020202020204"/>
-                  <a:ea typeface="+mn-ea"/>
-                  <a:cs typeface="+mn-cs"/>
                 </a:rPr>
-                <a:t>PHP for backend logic and APIs</a:t>
+                <a:t> </a:t>
               </a:r>
+              <a:r>
+                <a:rPr lang="en-US" sz="1400" b="1" dirty="0"/>
+                <a:t>Node.js</a:t>
+              </a:r>
+              <a:r>
+                <a:rPr lang="en-US" sz="1400" dirty="0"/>
+                <a:t> and </a:t>
+              </a:r>
+              <a:r>
+                <a:rPr lang="en-US" sz="1400" b="1" dirty="0"/>
+                <a:t>Express.js</a:t>
+              </a:r>
+            </a:p>
+            <a:p>
+              <a:pPr marL="285750" marR="0" lvl="0" indent="-285750" algn="l" defTabSz="914400" rtl="0" eaLnBrk="1" fontAlgn="auto" latinLnBrk="0" hangingPunct="1">
+                <a:lnSpc>
+                  <a:spcPct val="100000"/>
+                </a:lnSpc>
+                <a:spcBef>
+                  <a:spcPts val="0"/>
+                </a:spcBef>
+                <a:spcAft>
+                  <a:spcPts val="0"/>
+                </a:spcAft>
+                <a:buClrTx/>
+                <a:buSzTx/>
+                <a:buFont typeface="Arial" panose="020B0604020202020204" pitchFamily="34" charset="0"/>
+                <a:buChar char="•"/>
+                <a:tabLst/>
+                <a:defRPr/>
+              </a:pPr>
+              <a:r>
+                <a:rPr lang="en-IN" sz="1400" dirty="0"/>
+                <a:t>API Integration</a:t>
+              </a:r>
+            </a:p>
+            <a:p>
+              <a:pPr marL="285750" marR="0" lvl="0" indent="-285750" algn="l" defTabSz="914400" rtl="0" eaLnBrk="1" fontAlgn="auto" latinLnBrk="0" hangingPunct="1">
+                <a:lnSpc>
+                  <a:spcPct val="100000"/>
+                </a:lnSpc>
+                <a:spcBef>
+                  <a:spcPts val="0"/>
+                </a:spcBef>
+                <a:spcAft>
+                  <a:spcPts val="0"/>
+                </a:spcAft>
+                <a:buClrTx/>
+                <a:buSzTx/>
+                <a:buFont typeface="Arial" panose="020B0604020202020204" pitchFamily="34" charset="0"/>
+                <a:buChar char="•"/>
+                <a:tabLst/>
+                <a:defRPr/>
+              </a:pPr>
+              <a:r>
+                <a:rPr lang="en-IN" sz="1400" dirty="0"/>
+                <a:t>Data Processing</a:t>
+              </a:r>
+              <a:endParaRPr kumimoji="0" lang="en-IN" sz="1400" b="0" i="0" u="none" strike="noStrike" kern="1200" cap="none" spc="0" normalizeH="0" baseline="0" noProof="0" dirty="0">
+                <a:ln>
+                  <a:noFill/>
+                </a:ln>
+                <a:solidFill>
+                  <a:prstClr val="black"/>
+                </a:solidFill>
+                <a:effectLst/>
+                <a:uLnTx/>
+                <a:uFillTx/>
+                <a:latin typeface="Aptos" panose="02110004020202020204"/>
+                <a:ea typeface="+mn-ea"/>
+                <a:cs typeface="+mn-cs"/>
+              </a:endParaRPr>
             </a:p>
           </p:txBody>
         </p:sp>
@@ -13187,22 +13257,23 @@
                 <a:defRPr/>
               </a:pPr>
               <a:r>
-                <a:rPr kumimoji="0" lang="en-US" sz="1400" b="0" i="0" u="none" strike="noStrike" kern="1200" cap="none" spc="0" normalizeH="0" baseline="0" noProof="0" dirty="0">
-                  <a:ln>
-                    <a:noFill/>
-                  </a:ln>
-                  <a:solidFill>
-                    <a:prstClr val="black"/>
-                  </a:solidFill>
-                  <a:effectLst/>
-                  <a:uLnTx/>
-                  <a:uFillTx/>
-                  <a:latin typeface="Aptos" panose="02110004020202020204"/>
-                  <a:ea typeface="+mn-ea"/>
-                  <a:cs typeface="+mn-cs"/>
-                </a:rPr>
-                <a:t>MySQL</a:t>
+                <a:rPr lang="en-IN" sz="1400" dirty="0"/>
+                <a:t>Cloud Storage</a:t>
               </a:r>
+              <a:endParaRPr kumimoji="0" lang="en-US" sz="1400" b="0" i="0" u="none" strike="noStrike" kern="1200" cap="none" spc="0" normalizeH="0" baseline="0" noProof="0" dirty="0">
+                <a:ln>
+                  <a:noFill/>
+                </a:ln>
+                <a:solidFill>
+                  <a:prstClr val="black"/>
+                </a:solidFill>
+                <a:effectLst/>
+                <a:uLnTx/>
+                <a:uFillTx/>
+                <a:latin typeface="Aptos" panose="02110004020202020204"/>
+                <a:ea typeface="+mn-ea"/>
+                <a:cs typeface="+mn-cs"/>
+              </a:endParaRPr>
             </a:p>
             <a:p>
               <a:pPr marL="285750" marR="0" lvl="0" indent="-285750" algn="l" defTabSz="914400" rtl="0" eaLnBrk="1" fontAlgn="auto" latinLnBrk="0" hangingPunct="1">
@@ -13223,13 +13294,17 @@
                 <a:defRPr/>
               </a:pPr>
               <a:r>
+                <a:rPr lang="en-IN" sz="1400" dirty="0"/>
+                <a:t>DBMS</a:t>
+              </a:r>
+              <a:r>
                 <a:rPr lang="en-US" sz="1400" dirty="0">
                   <a:solidFill>
                     <a:prstClr val="black"/>
                   </a:solidFill>
                   <a:latin typeface="Aptos" panose="02110004020202020204"/>
                 </a:rPr>
-                <a:t>CSV File</a:t>
+                <a:t> (MYSQL)</a:t>
               </a:r>
               <a:endParaRPr kumimoji="0" lang="en-IN" sz="1400" b="0" i="0" u="none" strike="noStrike" kern="1200" cap="none" spc="0" normalizeH="0" baseline="0" noProof="0" dirty="0">
                 <a:ln>
@@ -20165,6 +20240,12 @@
 </file>
 
 <file path=customXml/item2.xml><?xml version="1.0" encoding="utf-8"?>
+<p:properties xmlns:p="http://schemas.microsoft.com/office/2006/metadata/properties" xmlns:xsi="http://www.w3.org/2001/XMLSchema-instance" xmlns:pc="http://schemas.microsoft.com/office/infopath/2007/PartnerControls">
+  <documentManagement/>
+</p:properties>
+</file>
+
+<file path=customXml/item3.xml><?xml version="1.0" encoding="utf-8"?>
 <ct:contentTypeSchema xmlns:ct="http://schemas.microsoft.com/office/2006/metadata/contentType" xmlns:ma="http://schemas.microsoft.com/office/2006/metadata/properties/metaAttributes" ct:_="" ma:_="" ma:contentTypeName="Document" ma:contentTypeID="0x010100BA5D66C1495D8A448438C28207993EB5" ma:contentTypeVersion="8" ma:contentTypeDescription="Create a new document." ma:contentTypeScope="" ma:versionID="df52d361f6365f3678e16c2043d68fa5">
   <xsd:schema xmlns:xsd="http://www.w3.org/2001/XMLSchema" xmlns:xs="http://www.w3.org/2001/XMLSchema" xmlns:p="http://schemas.microsoft.com/office/2006/metadata/properties" xmlns:ns2="7891944d-1a74-498f-9cfc-faac4edaa589" targetNamespace="http://schemas.microsoft.com/office/2006/metadata/properties" ma:root="true" ma:fieldsID="c84db05009372d68998b49d5bf9e08bb" ns2:_="">
     <xsd:import namespace="7891944d-1a74-498f-9cfc-faac4edaa589"/>
@@ -20332,12 +20413,6 @@
 </ct:contentTypeSchema>
 </file>
 
-<file path=customXml/item3.xml><?xml version="1.0" encoding="utf-8"?>
-<p:properties xmlns:p="http://schemas.microsoft.com/office/2006/metadata/properties" xmlns:xsi="http://www.w3.org/2001/XMLSchema-instance" xmlns:pc="http://schemas.microsoft.com/office/infopath/2007/PartnerControls">
-  <documentManagement/>
-</p:properties>
-</file>
-
 <file path=customXml/itemProps1.xml><?xml version="1.0" encoding="utf-8"?>
 <ds:datastoreItem xmlns:ds="http://schemas.openxmlformats.org/officeDocument/2006/customXml" ds:itemID="{CACB25DF-A098-4BEE-B899-A02E5AE9431A}">
   <ds:schemaRefs>
@@ -20347,6 +20422,15 @@
 </file>
 
 <file path=customXml/itemProps2.xml><?xml version="1.0" encoding="utf-8"?>
+<ds:datastoreItem xmlns:ds="http://schemas.openxmlformats.org/officeDocument/2006/customXml" ds:itemID="{14D7764E-EC77-492C-AA88-6B7950E9706E}">
+  <ds:schemaRefs>
+    <ds:schemaRef ds:uri="http://schemas.microsoft.com/office/2006/metadata/properties"/>
+    <ds:schemaRef ds:uri="http://schemas.microsoft.com/office/infopath/2007/PartnerControls"/>
+  </ds:schemaRefs>
+</ds:datastoreItem>
+</file>
+
+<file path=customXml/itemProps3.xml><?xml version="1.0" encoding="utf-8"?>
 <ds:datastoreItem xmlns:ds="http://schemas.openxmlformats.org/officeDocument/2006/customXml" ds:itemID="{DCF37706-96A5-4C69-853B-10902D37D05F}">
   <ds:schemaRefs>
     <ds:schemaRef ds:uri="http://schemas.microsoft.com/office/2006/metadata/contentType"/>
@@ -20362,13 +20446,4 @@
     <ds:schemaRef ds:uri="http://schemas.microsoft.com/internal/obd"/>
   </ds:schemaRefs>
 </ds:datastoreItem>
-</file>
-
-<file path=customXml/itemProps3.xml><?xml version="1.0" encoding="utf-8"?>
-<ds:datastoreItem xmlns:ds="http://schemas.openxmlformats.org/officeDocument/2006/customXml" ds:itemID="{14D7764E-EC77-492C-AA88-6B7950E9706E}">
-  <ds:schemaRefs>
-    <ds:schemaRef ds:uri="http://schemas.microsoft.com/office/2006/metadata/properties"/>
-    <ds:schemaRef ds:uri="http://schemas.microsoft.com/office/infopath/2007/PartnerControls"/>
-  </ds:schemaRefs>
-</ds:datastoreItem>
 </file>